--- a/PPTs/Getting_stared_with_perl.pptx
+++ b/PPTs/Getting_stared_with_perl.pptx
@@ -12,19 +12,20 @@
     <p:sldId id="257" r:id="rId6"/>
     <p:sldId id="259" r:id="rId7"/>
     <p:sldId id="258" r:id="rId8"/>
-    <p:sldId id="269" r:id="rId9"/>
-    <p:sldId id="260" r:id="rId10"/>
-    <p:sldId id="261" r:id="rId11"/>
-    <p:sldId id="270" r:id="rId12"/>
-    <p:sldId id="266" r:id="rId13"/>
-    <p:sldId id="267" r:id="rId14"/>
-    <p:sldId id="274" r:id="rId15"/>
-    <p:sldId id="268" r:id="rId16"/>
-    <p:sldId id="271" r:id="rId17"/>
-    <p:sldId id="273" r:id="rId18"/>
-    <p:sldId id="275" r:id="rId19"/>
-    <p:sldId id="262" r:id="rId20"/>
-    <p:sldId id="272" r:id="rId21"/>
+    <p:sldId id="276" r:id="rId9"/>
+    <p:sldId id="269" r:id="rId10"/>
+    <p:sldId id="260" r:id="rId11"/>
+    <p:sldId id="261" r:id="rId12"/>
+    <p:sldId id="270" r:id="rId13"/>
+    <p:sldId id="266" r:id="rId14"/>
+    <p:sldId id="267" r:id="rId15"/>
+    <p:sldId id="274" r:id="rId16"/>
+    <p:sldId id="268" r:id="rId17"/>
+    <p:sldId id="271" r:id="rId18"/>
+    <p:sldId id="273" r:id="rId19"/>
+    <p:sldId id="275" r:id="rId20"/>
+    <p:sldId id="262" r:id="rId21"/>
+    <p:sldId id="272" r:id="rId22"/>
   </p:sldIdLst>
   <p:sldSz cx="9144000" cy="5143500" type="screen16x9"/>
   <p:notesSz cx="6858000" cy="9144000"/>
@@ -315,7 +316,7 @@
             <a:fld id="{C8A432C8-69A7-458B-9684-2BFA64B31948}" type="datetime2">
               <a:rPr lang="en-US" smtClean="0"/>
               <a:pPr/>
-              <a:t>Wednesday, May 17, 2017</a:t>
+              <a:t>Tuesday, May 23, 2017</a:t>
             </a:fld>
             <a:endParaRPr lang="en-US"/>
           </a:p>
@@ -518,7 +519,7 @@
             <a:fld id="{8CC057FC-95B6-4D89-AFDA-ABA33EE921E5}" type="datetime2">
               <a:rPr lang="en-US" smtClean="0"/>
               <a:pPr/>
-              <a:t>Wednesday, May 17, 2017</a:t>
+              <a:t>Tuesday, May 23, 2017</a:t>
             </a:fld>
             <a:endParaRPr lang="en-US"/>
           </a:p>
@@ -696,7 +697,7 @@
             <a:fld id="{EC4549AC-EB31-477F-92A9-B1988E232878}" type="datetime2">
               <a:rPr lang="en-US" smtClean="0"/>
               <a:pPr/>
-              <a:t>Wednesday, May 17, 2017</a:t>
+              <a:t>Tuesday, May 23, 2017</a:t>
             </a:fld>
             <a:endParaRPr lang="en-US"/>
           </a:p>
@@ -864,7 +865,7 @@
             <a:fld id="{6396A3A3-94A6-4E5B-AF39-173ACA3E61CC}" type="datetime2">
               <a:rPr lang="en-US" smtClean="0"/>
               <a:pPr/>
-              <a:t>Wednesday, May 17, 2017</a:t>
+              <a:t>Tuesday, May 23, 2017</a:t>
             </a:fld>
             <a:endParaRPr lang="en-US"/>
           </a:p>
@@ -1115,7 +1116,7 @@
             <a:fld id="{9933D019-A32C-4EAD-B8E6-DBDA699692FD}" type="datetime2">
               <a:rPr lang="en-US" smtClean="0"/>
               <a:pPr/>
-              <a:t>Wednesday, May 17, 2017</a:t>
+              <a:t>Tuesday, May 23, 2017</a:t>
             </a:fld>
             <a:endParaRPr lang="en-US"/>
           </a:p>
@@ -1436,7 +1437,7 @@
             <a:fld id="{CCEBA98F-560C-4997-81C4-81D4D9187EAB}" type="datetime2">
               <a:rPr lang="en-US" smtClean="0"/>
               <a:pPr/>
-              <a:t>Wednesday, May 17, 2017</a:t>
+              <a:t>Tuesday, May 23, 2017</a:t>
             </a:fld>
             <a:endParaRPr lang="en-US"/>
           </a:p>
@@ -1905,7 +1906,7 @@
             <a:fld id="{150972B2-CA5C-437D-87D0-8081271A9E4B}" type="datetime2">
               <a:rPr lang="en-US" smtClean="0"/>
               <a:pPr/>
-              <a:t>Wednesday, May 17, 2017</a:t>
+              <a:t>Tuesday, May 23, 2017</a:t>
             </a:fld>
             <a:endParaRPr lang="en-US"/>
           </a:p>
@@ -2056,7 +2057,7 @@
             <a:fld id="{79CD4847-11EF-4466-A8AD-85CDB7B49118}" type="datetime2">
               <a:rPr lang="en-US" smtClean="0"/>
               <a:pPr/>
-              <a:t>Wednesday, May 17, 2017</a:t>
+              <a:t>Tuesday, May 23, 2017</a:t>
             </a:fld>
             <a:endParaRPr lang="en-US"/>
           </a:p>
@@ -2149,7 +2150,7 @@
             <a:fld id="{F168457A-3AB9-4880-8A0C-9F8524491207}" type="datetime2">
               <a:rPr lang="en-US" smtClean="0"/>
               <a:pPr/>
-              <a:t>Wednesday, May 17, 2017</a:t>
+              <a:t>Tuesday, May 23, 2017</a:t>
             </a:fld>
             <a:endParaRPr lang="en-US"/>
           </a:p>
@@ -2426,7 +2427,7 @@
             <a:fld id="{3FE976D3-5B7F-4300-ABED-C91F1B2AE209}" type="datetime2">
               <a:rPr lang="en-US" smtClean="0"/>
               <a:pPr/>
-              <a:t>Wednesday, May 17, 2017</a:t>
+              <a:t>Tuesday, May 23, 2017</a:t>
             </a:fld>
             <a:endParaRPr lang="en-US"/>
           </a:p>
@@ -2734,7 +2735,7 @@
             <a:fld id="{EBDC1E59-17DD-41CE-97CA-624A472382D4}" type="datetime2">
               <a:rPr lang="en-US" smtClean="0"/>
               <a:pPr/>
-              <a:t>Wednesday, May 17, 2017</a:t>
+              <a:t>Tuesday, May 23, 2017</a:t>
             </a:fld>
             <a:endParaRPr lang="en-US"/>
           </a:p>
@@ -3035,7 +3036,7 @@
             <a:fld id="{A80CB818-7379-467D-8E76-EF9D9074A26C}" type="datetime2">
               <a:rPr lang="en-US" smtClean="0"/>
               <a:pPr/>
-              <a:t>Wednesday, May 17, 2017</a:t>
+              <a:t>Tuesday, May 23, 2017</a:t>
             </a:fld>
             <a:endParaRPr lang="en-US" dirty="0"/>
           </a:p>
@@ -3492,7 +3493,7 @@
     </p:spTree>
     <p:extLst>
       <p:ext uri="{BB962C8B-B14F-4D97-AF65-F5344CB8AC3E}">
-        <p14:creationId xmlns:p14="http://schemas.microsoft.com/office/powerpoint/2010/main" xmlns="" val="182139768"/>
+        <p14:creationId xmlns="" xmlns:p14="http://schemas.microsoft.com/office/powerpoint/2010/main" val="182139768"/>
       </p:ext>
     </p:extLst>
   </p:cSld>
@@ -3543,7 +3544,7 @@
           <a:p>
             <a:r>
               <a:rPr lang="pt-BR" dirty="0" smtClean="0"/>
-              <a:t>Run on Linux </a:t>
+              <a:t>Execute the script on Windows</a:t>
             </a:r>
             <a:endParaRPr lang="en-US" dirty="0"/>
           </a:p>
@@ -3561,54 +3562,84 @@
         </p:nvSpPr>
         <p:spPr/>
         <p:txBody>
-          <a:bodyPr>
-            <a:normAutofit/>
-          </a:bodyPr>
+          <a:bodyPr/>
           <a:lstStyle/>
           <a:p>
             <a:r>
               <a:rPr lang="pt-BR" dirty="0" smtClean="0"/>
-              <a:t>Regardless of shebangline and execution permission</a:t>
+              <a:t>On terminal</a:t>
             </a:r>
           </a:p>
           <a:p>
             <a:pPr lvl="1"/>
             <a:r>
+              <a:rPr lang="pt-BR" dirty="0" smtClean="0"/>
+              <a:t>Go to the location where you have saved the file</a:t>
+            </a:r>
+          </a:p>
+          <a:p>
+            <a:pPr lvl="1"/>
+            <a:r>
+              <a:rPr lang="pt-BR" dirty="0" smtClean="0"/>
+              <a:t>Type</a:t>
+            </a:r>
+          </a:p>
+          <a:p>
+            <a:pPr lvl="2">
+              <a:buNone/>
+            </a:pPr>
+            <a:r>
               <a:rPr lang="pt-BR" i="1" dirty="0" smtClean="0"/>
-              <a:t>perl  SCRIPT.pl</a:t>
-            </a:r>
-          </a:p>
-          <a:p>
-            <a:endParaRPr lang="pt-BR" i="1" dirty="0" smtClean="0"/>
-          </a:p>
-          <a:p>
-            <a:r>
-              <a:rPr lang="pt-BR" dirty="0" smtClean="0"/>
-              <a:t>With Shebang line and execution permission</a:t>
-            </a:r>
-          </a:p>
-          <a:p>
-            <a:pPr lvl="1"/>
-            <a:r>
-              <a:rPr lang="pt-BR" i="1" dirty="0" smtClean="0"/>
-              <a:t>chmod  755 SCRIPT.pl</a:t>
-            </a:r>
-          </a:p>
-          <a:p>
-            <a:pPr lvl="1"/>
-            <a:r>
-              <a:rPr lang="pt-BR" i="1" dirty="0" smtClean="0"/>
-              <a:t>./SCRIPT.pl</a:t>
+              <a:t> perl hello_world.pl</a:t>
             </a:r>
             <a:endParaRPr lang="en-US" i="1" dirty="0"/>
           </a:p>
         </p:txBody>
       </p:sp>
+      <p:pic>
+        <p:nvPicPr>
+          <p:cNvPr id="4100" name="Picture 4"/>
+          <p:cNvPicPr>
+            <a:picLocks noChangeAspect="1" noChangeArrowheads="1"/>
+          </p:cNvPicPr>
+          <p:nvPr/>
+        </p:nvPicPr>
+        <p:blipFill>
+          <a:blip r:embed="rId2" cstate="print"/>
+          <a:srcRect/>
+          <a:stretch>
+            <a:fillRect/>
+          </a:stretch>
+        </p:blipFill>
+        <p:spPr bwMode="auto">
+          <a:xfrm>
+            <a:off x="3153628" y="2046849"/>
+            <a:ext cx="5990372" cy="2968283"/>
+          </a:xfrm>
+          <a:prstGeom prst="rect">
+            <a:avLst/>
+          </a:prstGeom>
+          <a:noFill/>
+          <a:ln w="9525">
+            <a:noFill/>
+            <a:miter lim="800000"/>
+            <a:headEnd/>
+            <a:tailEnd/>
+          </a:ln>
+        </p:spPr>
+      </p:pic>
     </p:spTree>
   </p:cSld>
   <p:clrMapOvr>
     <a:masterClrMapping/>
   </p:clrMapOvr>
+  <p:timing>
+    <p:tnLst>
+      <p:par>
+        <p:cTn id="1" dur="indefinite" restart="never" nodeType="tmRoot"/>
+      </p:par>
+    </p:tnLst>
+  </p:timing>
 </p:sld>
 </file>
 
@@ -3646,7 +3677,7 @@
           <a:p>
             <a:r>
               <a:rPr lang="pt-BR" dirty="0" smtClean="0"/>
-              <a:t>Run on Mac</a:t>
+              <a:t>Run on Linux </a:t>
             </a:r>
             <a:endParaRPr lang="en-US" dirty="0"/>
           </a:p>
@@ -3664,16 +3695,46 @@
         </p:nvSpPr>
         <p:spPr/>
         <p:txBody>
-          <a:bodyPr/>
+          <a:bodyPr>
+            <a:normAutofit/>
+          </a:bodyPr>
           <a:lstStyle/>
           <a:p>
             <a:r>
               <a:rPr lang="pt-BR" dirty="0" smtClean="0"/>
-              <a:t>All information similar to Unix like OS.</a:t>
-            </a:r>
-          </a:p>
-          <a:p>
-            <a:endParaRPr lang="en-US" dirty="0"/>
+              <a:t>Regardless of shebangline and execution permission</a:t>
+            </a:r>
+          </a:p>
+          <a:p>
+            <a:pPr lvl="1"/>
+            <a:r>
+              <a:rPr lang="pt-BR" i="1" dirty="0" smtClean="0"/>
+              <a:t>perl  SCRIPT.pl</a:t>
+            </a:r>
+          </a:p>
+          <a:p>
+            <a:endParaRPr lang="pt-BR" i="1" dirty="0" smtClean="0"/>
+          </a:p>
+          <a:p>
+            <a:r>
+              <a:rPr lang="pt-BR" dirty="0" smtClean="0"/>
+              <a:t>With Shebang line and execution permission</a:t>
+            </a:r>
+          </a:p>
+          <a:p>
+            <a:pPr lvl="1"/>
+            <a:r>
+              <a:rPr lang="pt-BR" i="1" dirty="0" smtClean="0"/>
+              <a:t>chmod  755 SCRIPT.pl</a:t>
+            </a:r>
+          </a:p>
+          <a:p>
+            <a:pPr lvl="1"/>
+            <a:r>
+              <a:rPr lang="pt-BR" i="1" dirty="0" smtClean="0"/>
+              <a:t>./SCRIPT.pl</a:t>
+            </a:r>
+            <a:endParaRPr lang="en-US" i="1" dirty="0"/>
           </a:p>
         </p:txBody>
       </p:sp>
@@ -3719,6 +3780,79 @@
           <a:p>
             <a:r>
               <a:rPr lang="pt-BR" dirty="0" smtClean="0"/>
+              <a:t>Run on Mac</a:t>
+            </a:r>
+            <a:endParaRPr lang="en-US" dirty="0"/>
+          </a:p>
+        </p:txBody>
+      </p:sp>
+      <p:sp>
+        <p:nvSpPr>
+          <p:cNvPr id="3" name="Content Placeholder 2"/>
+          <p:cNvSpPr>
+            <a:spLocks noGrp="1"/>
+          </p:cNvSpPr>
+          <p:nvPr>
+            <p:ph idx="1"/>
+          </p:nvPr>
+        </p:nvSpPr>
+        <p:spPr/>
+        <p:txBody>
+          <a:bodyPr/>
+          <a:lstStyle/>
+          <a:p>
+            <a:r>
+              <a:rPr lang="pt-BR" dirty="0" smtClean="0"/>
+              <a:t>All information similar to Unix like OS.</a:t>
+            </a:r>
+          </a:p>
+          <a:p>
+            <a:endParaRPr lang="en-US" dirty="0"/>
+          </a:p>
+        </p:txBody>
+      </p:sp>
+    </p:spTree>
+  </p:cSld>
+  <p:clrMapOvr>
+    <a:masterClrMapping/>
+  </p:clrMapOvr>
+</p:sld>
+</file>
+
+<file path=ppt/slides/slide13.xml><?xml version="1.0" encoding="utf-8"?>
+<p:sld xmlns:a="http://schemas.openxmlformats.org/drawingml/2006/main" xmlns:r="http://schemas.openxmlformats.org/officeDocument/2006/relationships" xmlns:p="http://schemas.openxmlformats.org/presentationml/2006/main">
+  <p:cSld>
+    <p:spTree>
+      <p:nvGrpSpPr>
+        <p:cNvPr id="1" name=""/>
+        <p:cNvGrpSpPr/>
+        <p:nvPr/>
+      </p:nvGrpSpPr>
+      <p:grpSpPr>
+        <a:xfrm>
+          <a:off x="0" y="0"/>
+          <a:ext cx="0" cy="0"/>
+          <a:chOff x="0" y="0"/>
+          <a:chExt cx="0" cy="0"/>
+        </a:xfrm>
+      </p:grpSpPr>
+      <p:sp>
+        <p:nvSpPr>
+          <p:cNvPr id="2" name="Title 1"/>
+          <p:cNvSpPr>
+            <a:spLocks noGrp="1"/>
+          </p:cNvSpPr>
+          <p:nvPr>
+            <p:ph type="title"/>
+          </p:nvPr>
+        </p:nvSpPr>
+        <p:spPr/>
+        <p:txBody>
+          <a:bodyPr/>
+          <a:lstStyle/>
+          <a:p>
+            <a:r>
+              <a:rPr lang="pt-BR" dirty="0" smtClean="0"/>
               <a:t>Programming cycle</a:t>
             </a:r>
             <a:endParaRPr lang="en-US" dirty="0"/>
@@ -3998,7 +4132,7 @@
 </p:sld>
 </file>
 
-<file path=ppt/slides/slide13.xml><?xml version="1.0" encoding="utf-8"?>
+<file path=ppt/slides/slide14.xml><?xml version="1.0" encoding="utf-8"?>
 <p:sld xmlns:a="http://schemas.openxmlformats.org/drawingml/2006/main" xmlns:r="http://schemas.openxmlformats.org/officeDocument/2006/relationships" xmlns:p="http://schemas.openxmlformats.org/presentationml/2006/main">
   <p:cSld>
     <p:spTree>
@@ -4315,7 +4449,7 @@
 </p:sld>
 </file>
 
-<file path=ppt/slides/slide14.xml><?xml version="1.0" encoding="utf-8"?>
+<file path=ppt/slides/slide15.xml><?xml version="1.0" encoding="utf-8"?>
 <p:sld xmlns:a="http://schemas.openxmlformats.org/drawingml/2006/main" xmlns:r="http://schemas.openxmlformats.org/officeDocument/2006/relationships" xmlns:p="http://schemas.openxmlformats.org/presentationml/2006/main">
   <p:cSld>
     <p:spTree>
@@ -4665,7 +4799,7 @@
 </p:sld>
 </file>
 
-<file path=ppt/slides/slide15.xml><?xml version="1.0" encoding="utf-8"?>
+<file path=ppt/slides/slide16.xml><?xml version="1.0" encoding="utf-8"?>
 <p:sld xmlns:a="http://schemas.openxmlformats.org/drawingml/2006/main" xmlns:r="http://schemas.openxmlformats.org/officeDocument/2006/relationships" xmlns:p="http://schemas.openxmlformats.org/presentationml/2006/main">
   <p:cSld>
     <p:spTree>
@@ -4745,7 +4879,7 @@
 </p:sld>
 </file>
 
-<file path=ppt/slides/slide16.xml><?xml version="1.0" encoding="utf-8"?>
+<file path=ppt/slides/slide17.xml><?xml version="1.0" encoding="utf-8"?>
 <p:sld xmlns:a="http://schemas.openxmlformats.org/drawingml/2006/main" xmlns:r="http://schemas.openxmlformats.org/officeDocument/2006/relationships" xmlns:p="http://schemas.openxmlformats.org/presentationml/2006/main">
   <p:cSld>
     <p:spTree>
@@ -4894,7 +5028,7 @@
 </p:sld>
 </file>
 
-<file path=ppt/slides/slide17.xml><?xml version="1.0" encoding="utf-8"?>
+<file path=ppt/slides/slide18.xml><?xml version="1.0" encoding="utf-8"?>
 <p:sld xmlns:a="http://schemas.openxmlformats.org/drawingml/2006/main" xmlns:r="http://schemas.openxmlformats.org/officeDocument/2006/relationships" xmlns:p="http://schemas.openxmlformats.org/presentationml/2006/main">
   <p:cSld>
     <p:spTree>
@@ -4966,15 +5100,7 @@
           <a:p>
             <a:r>
               <a:rPr lang="pt-BR" i="1" dirty="0" smtClean="0"/>
-              <a:t>print </a:t>
-            </a:r>
-            <a:r>
-              <a:rPr lang="pt-BR" i="1" dirty="0" smtClean="0"/>
-              <a:t>“message to dispay on OUTPUT screen</a:t>
-            </a:r>
-            <a:r>
-              <a:rPr lang="pt-BR" i="1" dirty="0" smtClean="0"/>
-              <a:t>”</a:t>
+              <a:t>print “message to dispay on OUTPUT screen”</a:t>
             </a:r>
           </a:p>
           <a:p>
@@ -4992,17 +5118,8 @@
           <a:p>
             <a:r>
               <a:rPr lang="pt-BR" dirty="0" smtClean="0"/>
-              <a:t>\ 	: escape character (escape the letter </a:t>
-            </a:r>
-            <a:r>
-              <a:rPr lang="pt-BR" dirty="0" smtClean="0"/>
-              <a:t>following </a:t>
-            </a:r>
-            <a:r>
-              <a:rPr lang="pt-BR" dirty="0" smtClean="0"/>
-              <a:t> it)</a:t>
-            </a:r>
-            <a:endParaRPr lang="pt-BR" dirty="0" smtClean="0"/>
+              <a:t>\ 	: escape character (escape the letter following  it)</a:t>
+            </a:r>
           </a:p>
           <a:p>
             <a:r>
@@ -5019,7 +5136,19 @@
           <a:p>
             <a:r>
               <a:rPr lang="pt-BR" dirty="0" smtClean="0"/>
-              <a:t>\a	: beep audio (on windows) </a:t>
+              <a:t>\a	: beep </a:t>
+            </a:r>
+            <a:r>
+              <a:rPr lang="pt-BR" smtClean="0"/>
+              <a:t>audio </a:t>
+            </a:r>
+            <a:r>
+              <a:rPr lang="pt-BR" smtClean="0"/>
+              <a:t>(only on </a:t>
+            </a:r>
+            <a:r>
+              <a:rPr lang="pt-BR" dirty="0" smtClean="0"/>
+              <a:t>windows) </a:t>
             </a:r>
             <a:endParaRPr lang="en-US" dirty="0"/>
           </a:p>
@@ -5065,7 +5194,7 @@
 </p:sld>
 </file>
 
-<file path=ppt/slides/slide18.xml><?xml version="1.0" encoding="utf-8"?>
+<file path=ppt/slides/slide19.xml><?xml version="1.0" encoding="utf-8"?>
 <p:sld xmlns:a="http://schemas.openxmlformats.org/drawingml/2006/main" xmlns:r="http://schemas.openxmlformats.org/officeDocument/2006/relationships" xmlns:p="http://schemas.openxmlformats.org/presentationml/2006/main">
   <p:cSld>
     <p:spTree>
@@ -5102,25 +5231,6 @@
               <a:t>Examples</a:t>
             </a:r>
             <a:endParaRPr lang="en-US" dirty="0"/>
-          </a:p>
-        </p:txBody>
-      </p:sp>
-      <p:sp>
-        <p:nvSpPr>
-          <p:cNvPr id="3" name="Content Placeholder 2"/>
-          <p:cNvSpPr>
-            <a:spLocks noGrp="1"/>
-          </p:cNvSpPr>
-          <p:nvPr>
-            <p:ph idx="1"/>
-          </p:nvPr>
-        </p:nvSpPr>
-        <p:spPr/>
-        <p:txBody>
-          <a:bodyPr/>
-          <a:lstStyle/>
-          <a:p>
-            <a:endParaRPr lang="en-US"/>
           </a:p>
         </p:txBody>
       </p:sp>
@@ -5141,8 +5251,40 @@
         </p:blipFill>
         <p:spPr bwMode="auto">
           <a:xfrm>
-            <a:off x="186983" y="1129006"/>
+            <a:off x="116645" y="1100870"/>
             <a:ext cx="3667565" cy="1766143"/>
+          </a:xfrm>
+          <a:prstGeom prst="rect">
+            <a:avLst/>
+          </a:prstGeom>
+          <a:noFill/>
+          <a:ln w="9525">
+            <a:noFill/>
+            <a:miter lim="800000"/>
+            <a:headEnd/>
+            <a:tailEnd/>
+          </a:ln>
+        </p:spPr>
+      </p:pic>
+      <p:pic>
+        <p:nvPicPr>
+          <p:cNvPr id="4" name="Picture 2"/>
+          <p:cNvPicPr>
+            <a:picLocks noChangeAspect="1" noChangeArrowheads="1"/>
+          </p:cNvPicPr>
+          <p:nvPr/>
+        </p:nvPicPr>
+        <p:blipFill>
+          <a:blip r:embed="rId3" cstate="print"/>
+          <a:srcRect r="42896" b="65699"/>
+          <a:stretch>
+            <a:fillRect/>
+          </a:stretch>
+        </p:blipFill>
+        <p:spPr bwMode="auto">
+          <a:xfrm>
+            <a:off x="182880" y="2989751"/>
+            <a:ext cx="8219189" cy="2153749"/>
           </a:xfrm>
           <a:prstGeom prst="rect">
             <a:avLst/>
@@ -5164,7 +5306,120 @@
 </p:sld>
 </file>
 
-<file path=ppt/slides/slide19.xml><?xml version="1.0" encoding="utf-8"?>
+<file path=ppt/slides/slide2.xml><?xml version="1.0" encoding="utf-8"?>
+<p:sld xmlns:a="http://schemas.openxmlformats.org/drawingml/2006/main" xmlns:r="http://schemas.openxmlformats.org/officeDocument/2006/relationships" xmlns:p="http://schemas.openxmlformats.org/presentationml/2006/main">
+  <p:cSld>
+    <p:spTree>
+      <p:nvGrpSpPr>
+        <p:cNvPr id="1" name=""/>
+        <p:cNvGrpSpPr/>
+        <p:nvPr/>
+      </p:nvGrpSpPr>
+      <p:grpSpPr>
+        <a:xfrm>
+          <a:off x="0" y="0"/>
+          <a:ext cx="0" cy="0"/>
+          <a:chOff x="0" y="0"/>
+          <a:chExt cx="0" cy="0"/>
+        </a:xfrm>
+      </p:grpSpPr>
+      <p:sp>
+        <p:nvSpPr>
+          <p:cNvPr id="2" name="Title 1"/>
+          <p:cNvSpPr>
+            <a:spLocks noGrp="1"/>
+          </p:cNvSpPr>
+          <p:nvPr>
+            <p:ph type="title"/>
+          </p:nvPr>
+        </p:nvSpPr>
+        <p:spPr/>
+        <p:txBody>
+          <a:bodyPr/>
+          <a:lstStyle/>
+          <a:p>
+            <a:r>
+              <a:rPr lang="pt-BR" dirty="0" smtClean="0"/>
+              <a:t>Learning objectives</a:t>
+            </a:r>
+            <a:endParaRPr lang="en-US" dirty="0"/>
+          </a:p>
+        </p:txBody>
+      </p:sp>
+      <p:sp>
+        <p:nvSpPr>
+          <p:cNvPr id="3" name="Content Placeholder 2"/>
+          <p:cNvSpPr>
+            <a:spLocks noGrp="1"/>
+          </p:cNvSpPr>
+          <p:nvPr>
+            <p:ph idx="1"/>
+          </p:nvPr>
+        </p:nvSpPr>
+        <p:spPr/>
+        <p:txBody>
+          <a:bodyPr/>
+          <a:lstStyle/>
+          <a:p>
+            <a:r>
+              <a:rPr lang="pt-BR" dirty="0" smtClean="0"/>
+              <a:t>Setup your computer for PERL programming</a:t>
+            </a:r>
+          </a:p>
+          <a:p>
+            <a:pPr lvl="1"/>
+            <a:r>
+              <a:rPr lang="pt-BR" dirty="0" smtClean="0"/>
+              <a:t>Windows</a:t>
+            </a:r>
+          </a:p>
+          <a:p>
+            <a:pPr lvl="1"/>
+            <a:r>
+              <a:rPr lang="pt-BR" dirty="0" smtClean="0"/>
+              <a:t>Unix</a:t>
+            </a:r>
+          </a:p>
+          <a:p>
+            <a:pPr lvl="1"/>
+            <a:r>
+              <a:rPr lang="pt-BR" dirty="0" smtClean="0"/>
+              <a:t>Mac</a:t>
+            </a:r>
+          </a:p>
+          <a:p>
+            <a:r>
+              <a:rPr lang="pt-BR" dirty="0" smtClean="0"/>
+              <a:t>Write your first PERL code.</a:t>
+            </a:r>
+          </a:p>
+          <a:p>
+            <a:r>
+              <a:rPr lang="pt-BR" dirty="0" smtClean="0"/>
+              <a:t>Execute the PERL script</a:t>
+            </a:r>
+          </a:p>
+          <a:p>
+            <a:endParaRPr lang="en-US" dirty="0"/>
+          </a:p>
+        </p:txBody>
+      </p:sp>
+    </p:spTree>
+  </p:cSld>
+  <p:clrMapOvr>
+    <a:masterClrMapping/>
+  </p:clrMapOvr>
+  <p:timing>
+    <p:tnLst>
+      <p:par>
+        <p:cTn id="1" dur="indefinite" restart="never" nodeType="tmRoot"/>
+      </p:par>
+    </p:tnLst>
+  </p:timing>
+</p:sld>
+</file>
+
+<file path=ppt/slides/slide20.xml><?xml version="1.0" encoding="utf-8"?>
 <p:sld xmlns:a="http://schemas.openxmlformats.org/drawingml/2006/main" xmlns:r="http://schemas.openxmlformats.org/officeDocument/2006/relationships" xmlns:p="http://schemas.openxmlformats.org/presentationml/2006/main">
   <p:cSld>
     <p:spTree>
@@ -5312,120 +5567,7 @@
 </p:sld>
 </file>
 
-<file path=ppt/slides/slide2.xml><?xml version="1.0" encoding="utf-8"?>
-<p:sld xmlns:a="http://schemas.openxmlformats.org/drawingml/2006/main" xmlns:r="http://schemas.openxmlformats.org/officeDocument/2006/relationships" xmlns:p="http://schemas.openxmlformats.org/presentationml/2006/main">
-  <p:cSld>
-    <p:spTree>
-      <p:nvGrpSpPr>
-        <p:cNvPr id="1" name=""/>
-        <p:cNvGrpSpPr/>
-        <p:nvPr/>
-      </p:nvGrpSpPr>
-      <p:grpSpPr>
-        <a:xfrm>
-          <a:off x="0" y="0"/>
-          <a:ext cx="0" cy="0"/>
-          <a:chOff x="0" y="0"/>
-          <a:chExt cx="0" cy="0"/>
-        </a:xfrm>
-      </p:grpSpPr>
-      <p:sp>
-        <p:nvSpPr>
-          <p:cNvPr id="2" name="Title 1"/>
-          <p:cNvSpPr>
-            <a:spLocks noGrp="1"/>
-          </p:cNvSpPr>
-          <p:nvPr>
-            <p:ph type="title"/>
-          </p:nvPr>
-        </p:nvSpPr>
-        <p:spPr/>
-        <p:txBody>
-          <a:bodyPr/>
-          <a:lstStyle/>
-          <a:p>
-            <a:r>
-              <a:rPr lang="pt-BR" dirty="0" smtClean="0"/>
-              <a:t>Learning objectives</a:t>
-            </a:r>
-            <a:endParaRPr lang="en-US" dirty="0"/>
-          </a:p>
-        </p:txBody>
-      </p:sp>
-      <p:sp>
-        <p:nvSpPr>
-          <p:cNvPr id="3" name="Content Placeholder 2"/>
-          <p:cNvSpPr>
-            <a:spLocks noGrp="1"/>
-          </p:cNvSpPr>
-          <p:nvPr>
-            <p:ph idx="1"/>
-          </p:nvPr>
-        </p:nvSpPr>
-        <p:spPr/>
-        <p:txBody>
-          <a:bodyPr/>
-          <a:lstStyle/>
-          <a:p>
-            <a:r>
-              <a:rPr lang="pt-BR" dirty="0" smtClean="0"/>
-              <a:t>Setup your computer for PERL programming</a:t>
-            </a:r>
-          </a:p>
-          <a:p>
-            <a:pPr lvl="1"/>
-            <a:r>
-              <a:rPr lang="pt-BR" dirty="0" smtClean="0"/>
-              <a:t>Windows</a:t>
-            </a:r>
-          </a:p>
-          <a:p>
-            <a:pPr lvl="1"/>
-            <a:r>
-              <a:rPr lang="pt-BR" dirty="0" smtClean="0"/>
-              <a:t>Unix</a:t>
-            </a:r>
-          </a:p>
-          <a:p>
-            <a:pPr lvl="1"/>
-            <a:r>
-              <a:rPr lang="pt-BR" dirty="0" smtClean="0"/>
-              <a:t>Mac</a:t>
-            </a:r>
-          </a:p>
-          <a:p>
-            <a:r>
-              <a:rPr lang="pt-BR" dirty="0" smtClean="0"/>
-              <a:t>Write your first PERL code.</a:t>
-            </a:r>
-          </a:p>
-          <a:p>
-            <a:r>
-              <a:rPr lang="pt-BR" dirty="0" smtClean="0"/>
-              <a:t>Execute the PERL script</a:t>
-            </a:r>
-          </a:p>
-          <a:p>
-            <a:endParaRPr lang="en-US" dirty="0"/>
-          </a:p>
-        </p:txBody>
-      </p:sp>
-    </p:spTree>
-  </p:cSld>
-  <p:clrMapOvr>
-    <a:masterClrMapping/>
-  </p:clrMapOvr>
-  <p:timing>
-    <p:tnLst>
-      <p:par>
-        <p:cTn id="1" dur="indefinite" restart="never" nodeType="tmRoot"/>
-      </p:par>
-    </p:tnLst>
-  </p:timing>
-</p:sld>
-</file>
-
-<file path=ppt/slides/slide20.xml><?xml version="1.0" encoding="utf-8"?>
+<file path=ppt/slides/slide21.xml><?xml version="1.0" encoding="utf-8"?>
 <p:sld xmlns:a="http://schemas.openxmlformats.org/drawingml/2006/main" xmlns:r="http://schemas.openxmlformats.org/officeDocument/2006/relationships" xmlns:p="http://schemas.openxmlformats.org/presentationml/2006/main">
   <p:cSld>
     <p:spTree>
@@ -6293,9 +6435,131 @@
           </a:ln>
         </p:spPr>
       </p:pic>
+    </p:spTree>
+  </p:cSld>
+  <p:clrMapOvr>
+    <a:masterClrMapping/>
+  </p:clrMapOvr>
+  <p:timing>
+    <p:tnLst>
+      <p:par>
+        <p:cTn id="1" dur="indefinite" restart="never" nodeType="tmRoot"/>
+      </p:par>
+    </p:tnLst>
+  </p:timing>
+</p:sld>
+</file>
+
+<file path=ppt/slides/slide8.xml><?xml version="1.0" encoding="utf-8"?>
+<p:sld xmlns:a="http://schemas.openxmlformats.org/drawingml/2006/main" xmlns:r="http://schemas.openxmlformats.org/officeDocument/2006/relationships" xmlns:p="http://schemas.openxmlformats.org/presentationml/2006/main">
+  <p:cSld>
+    <p:spTree>
+      <p:nvGrpSpPr>
+        <p:cNvPr id="1" name=""/>
+        <p:cNvGrpSpPr/>
+        <p:nvPr/>
+      </p:nvGrpSpPr>
+      <p:grpSpPr>
+        <a:xfrm>
+          <a:off x="0" y="0"/>
+          <a:ext cx="0" cy="0"/>
+          <a:chOff x="0" y="0"/>
+          <a:chExt cx="0" cy="0"/>
+        </a:xfrm>
+      </p:grpSpPr>
+      <p:sp>
+        <p:nvSpPr>
+          <p:cNvPr id="2" name="Title 1"/>
+          <p:cNvSpPr>
+            <a:spLocks noGrp="1"/>
+          </p:cNvSpPr>
+          <p:nvPr>
+            <p:ph type="title"/>
+          </p:nvPr>
+        </p:nvSpPr>
+        <p:spPr/>
+        <p:txBody>
+          <a:bodyPr/>
+          <a:lstStyle/>
+          <a:p>
+            <a:r>
+              <a:rPr lang="pt-BR" dirty="0" smtClean="0"/>
+              <a:t>Write first script</a:t>
+            </a:r>
+            <a:endParaRPr lang="en-US" dirty="0"/>
+          </a:p>
+        </p:txBody>
+      </p:sp>
+      <p:sp>
+        <p:nvSpPr>
+          <p:cNvPr id="3" name="Content Placeholder 2"/>
+          <p:cNvSpPr>
+            <a:spLocks noGrp="1"/>
+          </p:cNvSpPr>
+          <p:nvPr>
+            <p:ph idx="1"/>
+          </p:nvPr>
+        </p:nvSpPr>
+        <p:spPr/>
+        <p:txBody>
+          <a:bodyPr/>
+          <a:lstStyle/>
+          <a:p>
+            <a:r>
+              <a:rPr lang="pt-BR" dirty="0" smtClean="0"/>
+              <a:t>Open a blank text file</a:t>
+            </a:r>
+          </a:p>
+          <a:p>
+            <a:r>
+              <a:rPr lang="pt-BR" dirty="0" smtClean="0"/>
+              <a:t>Save it as hello_world.pl    (  *.pl   )</a:t>
+            </a:r>
+          </a:p>
+          <a:p>
+            <a:r>
+              <a:rPr lang="pt-BR" dirty="0" smtClean="0"/>
+              <a:t>Write the following: </a:t>
+            </a:r>
+            <a:endParaRPr lang="en-US" dirty="0"/>
+          </a:p>
+        </p:txBody>
+      </p:sp>
+      <p:pic>
+        <p:nvPicPr>
+          <p:cNvPr id="2052" name="Picture 4"/>
+          <p:cNvPicPr>
+            <a:picLocks noChangeAspect="1" noChangeArrowheads="1"/>
+          </p:cNvPicPr>
+          <p:nvPr/>
+        </p:nvPicPr>
+        <p:blipFill>
+          <a:blip r:embed="rId2" cstate="print"/>
+          <a:srcRect/>
+          <a:stretch>
+            <a:fillRect/>
+          </a:stretch>
+        </p:blipFill>
+        <p:spPr bwMode="auto">
+          <a:xfrm>
+            <a:off x="2011681" y="2503757"/>
+            <a:ext cx="6576015" cy="1498502"/>
+          </a:xfrm>
+          <a:prstGeom prst="rect">
+            <a:avLst/>
+          </a:prstGeom>
+          <a:noFill/>
+          <a:ln w="9525">
+            <a:noFill/>
+            <a:miter lim="800000"/>
+            <a:headEnd/>
+            <a:tailEnd/>
+          </a:ln>
+        </p:spPr>
+      </p:pic>
       <p:grpSp>
         <p:nvGrpSpPr>
-          <p:cNvPr id="12" name="Group 11"/>
+          <p:cNvPr id="4" name="Group 11"/>
           <p:cNvGrpSpPr/>
           <p:nvPr/>
         </p:nvGrpSpPr>
@@ -6376,7 +6640,7 @@
       </p:grpSp>
       <p:grpSp>
         <p:nvGrpSpPr>
-          <p:cNvPr id="14" name="Group 13"/>
+          <p:cNvPr id="5" name="Group 13"/>
           <p:cNvGrpSpPr/>
           <p:nvPr/>
         </p:nvGrpSpPr>
@@ -6457,7 +6721,7 @@
       </p:grpSp>
       <p:grpSp>
         <p:nvGrpSpPr>
-          <p:cNvPr id="18" name="Group 17"/>
+          <p:cNvPr id="7" name="Group 17"/>
           <p:cNvGrpSpPr/>
           <p:nvPr/>
         </p:nvGrpSpPr>
@@ -6551,7 +6815,7 @@
 </p:sld>
 </file>
 
-<file path=ppt/slides/slide8.xml><?xml version="1.0" encoding="utf-8"?>
+<file path=ppt/slides/slide9.xml><?xml version="1.0" encoding="utf-8"?>
 <p:sld xmlns:a="http://schemas.openxmlformats.org/drawingml/2006/main" xmlns:r="http://schemas.openxmlformats.org/officeDocument/2006/relationships" xmlns:p="http://schemas.openxmlformats.org/presentationml/2006/main">
   <p:cSld>
     <p:spTree>
@@ -7030,139 +7294,6 @@
 </p:sld>
 </file>
 
-<file path=ppt/slides/slide9.xml><?xml version="1.0" encoding="utf-8"?>
-<p:sld xmlns:a="http://schemas.openxmlformats.org/drawingml/2006/main" xmlns:r="http://schemas.openxmlformats.org/officeDocument/2006/relationships" xmlns:p="http://schemas.openxmlformats.org/presentationml/2006/main">
-  <p:cSld>
-    <p:spTree>
-      <p:nvGrpSpPr>
-        <p:cNvPr id="1" name=""/>
-        <p:cNvGrpSpPr/>
-        <p:nvPr/>
-      </p:nvGrpSpPr>
-      <p:grpSpPr>
-        <a:xfrm>
-          <a:off x="0" y="0"/>
-          <a:ext cx="0" cy="0"/>
-          <a:chOff x="0" y="0"/>
-          <a:chExt cx="0" cy="0"/>
-        </a:xfrm>
-      </p:grpSpPr>
-      <p:sp>
-        <p:nvSpPr>
-          <p:cNvPr id="2" name="Title 1"/>
-          <p:cNvSpPr>
-            <a:spLocks noGrp="1"/>
-          </p:cNvSpPr>
-          <p:nvPr>
-            <p:ph type="title"/>
-          </p:nvPr>
-        </p:nvSpPr>
-        <p:spPr/>
-        <p:txBody>
-          <a:bodyPr/>
-          <a:lstStyle/>
-          <a:p>
-            <a:r>
-              <a:rPr lang="pt-BR" dirty="0" smtClean="0"/>
-              <a:t>Execute the script on Windows</a:t>
-            </a:r>
-            <a:endParaRPr lang="en-US" dirty="0"/>
-          </a:p>
-        </p:txBody>
-      </p:sp>
-      <p:sp>
-        <p:nvSpPr>
-          <p:cNvPr id="3" name="Content Placeholder 2"/>
-          <p:cNvSpPr>
-            <a:spLocks noGrp="1"/>
-          </p:cNvSpPr>
-          <p:nvPr>
-            <p:ph idx="1"/>
-          </p:nvPr>
-        </p:nvSpPr>
-        <p:spPr/>
-        <p:txBody>
-          <a:bodyPr/>
-          <a:lstStyle/>
-          <a:p>
-            <a:r>
-              <a:rPr lang="pt-BR" dirty="0" smtClean="0"/>
-              <a:t>On terminal</a:t>
-            </a:r>
-          </a:p>
-          <a:p>
-            <a:pPr lvl="1"/>
-            <a:r>
-              <a:rPr lang="pt-BR" dirty="0" smtClean="0"/>
-              <a:t>Go to the location where you have saved the file</a:t>
-            </a:r>
-          </a:p>
-          <a:p>
-            <a:pPr lvl="1"/>
-            <a:r>
-              <a:rPr lang="pt-BR" dirty="0" smtClean="0"/>
-              <a:t>Type</a:t>
-            </a:r>
-          </a:p>
-          <a:p>
-            <a:pPr lvl="2">
-              <a:buNone/>
-            </a:pPr>
-            <a:r>
-              <a:rPr lang="pt-BR" i="1" dirty="0" smtClean="0"/>
-              <a:t> perl hello_world.pl</a:t>
-            </a:r>
-            <a:endParaRPr lang="en-US" i="1" dirty="0"/>
-          </a:p>
-        </p:txBody>
-      </p:sp>
-      <p:pic>
-        <p:nvPicPr>
-          <p:cNvPr id="4100" name="Picture 4"/>
-          <p:cNvPicPr>
-            <a:picLocks noChangeAspect="1" noChangeArrowheads="1"/>
-          </p:cNvPicPr>
-          <p:nvPr/>
-        </p:nvPicPr>
-        <p:blipFill>
-          <a:blip r:embed="rId2" cstate="print"/>
-          <a:srcRect/>
-          <a:stretch>
-            <a:fillRect/>
-          </a:stretch>
-        </p:blipFill>
-        <p:spPr bwMode="auto">
-          <a:xfrm>
-            <a:off x="3153628" y="2046849"/>
-            <a:ext cx="5990372" cy="2968283"/>
-          </a:xfrm>
-          <a:prstGeom prst="rect">
-            <a:avLst/>
-          </a:prstGeom>
-          <a:noFill/>
-          <a:ln w="9525">
-            <a:noFill/>
-            <a:miter lim="800000"/>
-            <a:headEnd/>
-            <a:tailEnd/>
-          </a:ln>
-        </p:spPr>
-      </p:pic>
-    </p:spTree>
-  </p:cSld>
-  <p:clrMapOvr>
-    <a:masterClrMapping/>
-  </p:clrMapOvr>
-  <p:timing>
-    <p:tnLst>
-      <p:par>
-        <p:cTn id="1" dur="indefinite" restart="never" nodeType="tmRoot"/>
-      </p:par>
-    </p:tnLst>
-  </p:timing>
-</p:sld>
-</file>
-
 <file path=ppt/theme/theme1.xml><?xml version="1.0" encoding="utf-8"?>
 <a:theme xmlns:a="http://schemas.openxmlformats.org/drawingml/2006/main" name="Clarity">
   <a:themeElements>

--- a/PPTs/Getting_stared_with_perl.pptx
+++ b/PPTs/Getting_stared_with_perl.pptx
@@ -24,8 +24,9 @@
     <p:sldId id="271" r:id="rId18"/>
     <p:sldId id="273" r:id="rId19"/>
     <p:sldId id="275" r:id="rId20"/>
-    <p:sldId id="262" r:id="rId21"/>
-    <p:sldId id="272" r:id="rId22"/>
+    <p:sldId id="277" r:id="rId21"/>
+    <p:sldId id="262" r:id="rId22"/>
+    <p:sldId id="272" r:id="rId23"/>
   </p:sldIdLst>
   <p:sldSz cx="9144000" cy="5143500" type="screen16x9"/>
   <p:notesSz cx="6858000" cy="9144000"/>
@@ -316,7 +317,7 @@
             <a:fld id="{C8A432C8-69A7-458B-9684-2BFA64B31948}" type="datetime2">
               <a:rPr lang="en-US" smtClean="0"/>
               <a:pPr/>
-              <a:t>Tuesday, May 23, 2017</a:t>
+              <a:t>Thursday, May 25, 2017</a:t>
             </a:fld>
             <a:endParaRPr lang="en-US"/>
           </a:p>
@@ -519,7 +520,7 @@
             <a:fld id="{8CC057FC-95B6-4D89-AFDA-ABA33EE921E5}" type="datetime2">
               <a:rPr lang="en-US" smtClean="0"/>
               <a:pPr/>
-              <a:t>Tuesday, May 23, 2017</a:t>
+              <a:t>Thursday, May 25, 2017</a:t>
             </a:fld>
             <a:endParaRPr lang="en-US"/>
           </a:p>
@@ -697,7 +698,7 @@
             <a:fld id="{EC4549AC-EB31-477F-92A9-B1988E232878}" type="datetime2">
               <a:rPr lang="en-US" smtClean="0"/>
               <a:pPr/>
-              <a:t>Tuesday, May 23, 2017</a:t>
+              <a:t>Thursday, May 25, 2017</a:t>
             </a:fld>
             <a:endParaRPr lang="en-US"/>
           </a:p>
@@ -865,7 +866,7 @@
             <a:fld id="{6396A3A3-94A6-4E5B-AF39-173ACA3E61CC}" type="datetime2">
               <a:rPr lang="en-US" smtClean="0"/>
               <a:pPr/>
-              <a:t>Tuesday, May 23, 2017</a:t>
+              <a:t>Thursday, May 25, 2017</a:t>
             </a:fld>
             <a:endParaRPr lang="en-US"/>
           </a:p>
@@ -1116,7 +1117,7 @@
             <a:fld id="{9933D019-A32C-4EAD-B8E6-DBDA699692FD}" type="datetime2">
               <a:rPr lang="en-US" smtClean="0"/>
               <a:pPr/>
-              <a:t>Tuesday, May 23, 2017</a:t>
+              <a:t>Thursday, May 25, 2017</a:t>
             </a:fld>
             <a:endParaRPr lang="en-US"/>
           </a:p>
@@ -1437,7 +1438,7 @@
             <a:fld id="{CCEBA98F-560C-4997-81C4-81D4D9187EAB}" type="datetime2">
               <a:rPr lang="en-US" smtClean="0"/>
               <a:pPr/>
-              <a:t>Tuesday, May 23, 2017</a:t>
+              <a:t>Thursday, May 25, 2017</a:t>
             </a:fld>
             <a:endParaRPr lang="en-US"/>
           </a:p>
@@ -1906,7 +1907,7 @@
             <a:fld id="{150972B2-CA5C-437D-87D0-8081271A9E4B}" type="datetime2">
               <a:rPr lang="en-US" smtClean="0"/>
               <a:pPr/>
-              <a:t>Tuesday, May 23, 2017</a:t>
+              <a:t>Thursday, May 25, 2017</a:t>
             </a:fld>
             <a:endParaRPr lang="en-US"/>
           </a:p>
@@ -2057,7 +2058,7 @@
             <a:fld id="{79CD4847-11EF-4466-A8AD-85CDB7B49118}" type="datetime2">
               <a:rPr lang="en-US" smtClean="0"/>
               <a:pPr/>
-              <a:t>Tuesday, May 23, 2017</a:t>
+              <a:t>Thursday, May 25, 2017</a:t>
             </a:fld>
             <a:endParaRPr lang="en-US"/>
           </a:p>
@@ -2150,7 +2151,7 @@
             <a:fld id="{F168457A-3AB9-4880-8A0C-9F8524491207}" type="datetime2">
               <a:rPr lang="en-US" smtClean="0"/>
               <a:pPr/>
-              <a:t>Tuesday, May 23, 2017</a:t>
+              <a:t>Thursday, May 25, 2017</a:t>
             </a:fld>
             <a:endParaRPr lang="en-US"/>
           </a:p>
@@ -2427,7 +2428,7 @@
             <a:fld id="{3FE976D3-5B7F-4300-ABED-C91F1B2AE209}" type="datetime2">
               <a:rPr lang="en-US" smtClean="0"/>
               <a:pPr/>
-              <a:t>Tuesday, May 23, 2017</a:t>
+              <a:t>Thursday, May 25, 2017</a:t>
             </a:fld>
             <a:endParaRPr lang="en-US"/>
           </a:p>
@@ -2735,7 +2736,7 @@
             <a:fld id="{EBDC1E59-17DD-41CE-97CA-624A472382D4}" type="datetime2">
               <a:rPr lang="en-US" smtClean="0"/>
               <a:pPr/>
-              <a:t>Tuesday, May 23, 2017</a:t>
+              <a:t>Thursday, May 25, 2017</a:t>
             </a:fld>
             <a:endParaRPr lang="en-US"/>
           </a:p>
@@ -3036,7 +3037,7 @@
             <a:fld id="{A80CB818-7379-467D-8E76-EF9D9074A26C}" type="datetime2">
               <a:rPr lang="en-US" smtClean="0"/>
               <a:pPr/>
-              <a:t>Tuesday, May 23, 2017</a:t>
+              <a:t>Thursday, May 25, 2017</a:t>
             </a:fld>
             <a:endParaRPr lang="en-US" dirty="0"/>
           </a:p>
@@ -3493,7 +3494,7 @@
     </p:spTree>
     <p:extLst>
       <p:ext uri="{BB962C8B-B14F-4D97-AF65-F5344CB8AC3E}">
-        <p14:creationId xmlns="" xmlns:p14="http://schemas.microsoft.com/office/powerpoint/2010/main" val="182139768"/>
+        <p14:creationId xmlns:p14="http://schemas.microsoft.com/office/powerpoint/2010/main" xmlns="" val="182139768"/>
       </p:ext>
     </p:extLst>
   </p:cSld>
@@ -3735,6 +3736,174 @@
               <a:t>./SCRIPT.pl</a:t>
             </a:r>
             <a:endParaRPr lang="en-US" i="1" dirty="0"/>
+          </a:p>
+        </p:txBody>
+      </p:sp>
+      <p:sp>
+        <p:nvSpPr>
+          <p:cNvPr id="4" name="Oval 3"/>
+          <p:cNvSpPr/>
+          <p:nvPr/>
+        </p:nvSpPr>
+        <p:spPr>
+          <a:xfrm>
+            <a:off x="956602" y="2841674"/>
+            <a:ext cx="921434" cy="429064"/>
+          </a:xfrm>
+          <a:prstGeom prst="ellipse">
+            <a:avLst/>
+          </a:prstGeom>
+          <a:noFill/>
+          <a:ln>
+            <a:solidFill>
+              <a:srgbClr val="FF0000"/>
+            </a:solidFill>
+          </a:ln>
+        </p:spPr>
+        <p:style>
+          <a:lnRef idx="2">
+            <a:schemeClr val="accent1">
+              <a:shade val="50000"/>
+            </a:schemeClr>
+          </a:lnRef>
+          <a:fillRef idx="1">
+            <a:schemeClr val="accent1"/>
+          </a:fillRef>
+          <a:effectRef idx="0">
+            <a:schemeClr val="accent1"/>
+          </a:effectRef>
+          <a:fontRef idx="minor">
+            <a:schemeClr val="lt1"/>
+          </a:fontRef>
+        </p:style>
+        <p:txBody>
+          <a:bodyPr rtlCol="0" anchor="ctr"/>
+          <a:lstStyle/>
+          <a:p>
+            <a:pPr algn="ctr"/>
+            <a:endParaRPr lang="en-US"/>
+          </a:p>
+        </p:txBody>
+      </p:sp>
+      <p:sp>
+        <p:nvSpPr>
+          <p:cNvPr id="5" name="Oval 4"/>
+          <p:cNvSpPr/>
+          <p:nvPr/>
+        </p:nvSpPr>
+        <p:spPr>
+          <a:xfrm>
+            <a:off x="1896794" y="2853397"/>
+            <a:ext cx="480646" cy="429064"/>
+          </a:xfrm>
+          <a:prstGeom prst="ellipse">
+            <a:avLst/>
+          </a:prstGeom>
+          <a:noFill/>
+          <a:ln>
+            <a:solidFill>
+              <a:srgbClr val="FF0000"/>
+            </a:solidFill>
+          </a:ln>
+        </p:spPr>
+        <p:style>
+          <a:lnRef idx="2">
+            <a:schemeClr val="accent1">
+              <a:shade val="50000"/>
+            </a:schemeClr>
+          </a:lnRef>
+          <a:fillRef idx="1">
+            <a:schemeClr val="accent1"/>
+          </a:fillRef>
+          <a:effectRef idx="0">
+            <a:schemeClr val="accent1"/>
+          </a:effectRef>
+          <a:fontRef idx="minor">
+            <a:schemeClr val="lt1"/>
+          </a:fontRef>
+        </p:style>
+        <p:txBody>
+          <a:bodyPr rtlCol="0" anchor="ctr"/>
+          <a:lstStyle/>
+          <a:p>
+            <a:pPr algn="ctr"/>
+            <a:endParaRPr lang="en-US"/>
+          </a:p>
+        </p:txBody>
+      </p:sp>
+      <p:sp>
+        <p:nvSpPr>
+          <p:cNvPr id="6" name="TextBox 5"/>
+          <p:cNvSpPr txBox="1"/>
+          <p:nvPr/>
+        </p:nvSpPr>
+        <p:spPr>
+          <a:xfrm>
+            <a:off x="3284804" y="3298875"/>
+            <a:ext cx="2370407" cy="369332"/>
+          </a:xfrm>
+          <a:prstGeom prst="wedgeRectCallout">
+            <a:avLst>
+              <a:gd name="adj1" fmla="val -131219"/>
+              <a:gd name="adj2" fmla="val -61291"/>
+            </a:avLst>
+          </a:prstGeom>
+          <a:noFill/>
+          <a:ln w="3175">
+            <a:solidFill>
+              <a:schemeClr val="tx1"/>
+            </a:solidFill>
+          </a:ln>
+        </p:spPr>
+        <p:txBody>
+          <a:bodyPr wrap="square" rtlCol="0">
+            <a:spAutoFit/>
+          </a:bodyPr>
+          <a:lstStyle/>
+          <a:p>
+            <a:r>
+              <a:rPr lang="en-US" dirty="0" smtClean="0"/>
+              <a:t>change file mode</a:t>
+            </a:r>
+            <a:endParaRPr lang="en-US" dirty="0"/>
+          </a:p>
+        </p:txBody>
+      </p:sp>
+      <p:sp>
+        <p:nvSpPr>
+          <p:cNvPr id="7" name="TextBox 6"/>
+          <p:cNvSpPr txBox="1"/>
+          <p:nvPr/>
+        </p:nvSpPr>
+        <p:spPr>
+          <a:xfrm>
+            <a:off x="4168724" y="2818229"/>
+            <a:ext cx="3055036" cy="369332"/>
+          </a:xfrm>
+          <a:prstGeom prst="wedgeRectCallout">
+            <a:avLst>
+              <a:gd name="adj1" fmla="val -110088"/>
+              <a:gd name="adj2" fmla="val -19392"/>
+            </a:avLst>
+          </a:prstGeom>
+          <a:noFill/>
+          <a:ln w="3175">
+            <a:solidFill>
+              <a:schemeClr val="tx1"/>
+            </a:solidFill>
+          </a:ln>
+        </p:spPr>
+        <p:txBody>
+          <a:bodyPr wrap="square" rtlCol="0">
+            <a:spAutoFit/>
+          </a:bodyPr>
+          <a:lstStyle/>
+          <a:p>
+            <a:r>
+              <a:rPr lang="en-US" dirty="0" smtClean="0"/>
+              <a:t>Permission to execute</a:t>
+            </a:r>
+            <a:endParaRPr lang="en-US" dirty="0"/>
           </a:p>
         </p:txBody>
       </p:sp>
@@ -4913,7 +5082,7 @@
           <a:p>
             <a:r>
               <a:rPr lang="pt-BR" dirty="0" smtClean="0"/>
-              <a:t>Hello world one liner</a:t>
+              <a:t>“Hello world”- One liner</a:t>
             </a:r>
             <a:endParaRPr lang="en-US" dirty="0"/>
           </a:p>
@@ -4936,7 +5105,7 @@
           <a:p>
             <a:r>
               <a:rPr lang="pt-BR" dirty="0" smtClean="0"/>
-              <a:t>Mind quotation marks </a:t>
+              <a:t>Mind the quotation marks </a:t>
             </a:r>
           </a:p>
           <a:p>
@@ -5099,17 +5268,23 @@
           </a:p>
           <a:p>
             <a:r>
+              <a:rPr lang="pt-BR" b="1" i="1" dirty="0" smtClean="0"/>
+              <a:t>Syntax:</a:t>
+            </a:r>
+            <a:r>
               <a:rPr lang="pt-BR" i="1" dirty="0" smtClean="0"/>
-              <a:t>print “message to dispay on OUTPUT screen”</a:t>
-            </a:r>
-          </a:p>
-          <a:p>
+              <a:t> print “message to dispay on OUTPUT screen”</a:t>
+            </a:r>
+          </a:p>
+          <a:p>
+            <a:pPr lvl="1"/>
             <a:r>
               <a:rPr lang="pt-BR" dirty="0" smtClean="0"/>
               <a:t>Quotes	: single and double quotes</a:t>
             </a:r>
           </a:p>
           <a:p>
+            <a:pPr lvl="1"/>
             <a:r>
               <a:rPr lang="pt-BR" dirty="0" smtClean="0"/>
               <a:t>Double quotes : interpolation of varibales</a:t>
@@ -5122,33 +5297,24 @@
             </a:r>
           </a:p>
           <a:p>
+            <a:pPr lvl="1"/>
             <a:r>
               <a:rPr lang="pt-BR" dirty="0" smtClean="0"/>
               <a:t>\n	: new line character</a:t>
             </a:r>
           </a:p>
           <a:p>
+            <a:pPr lvl="1"/>
             <a:r>
               <a:rPr lang="pt-BR" dirty="0" smtClean="0"/>
               <a:t>\t 	: tab character</a:t>
             </a:r>
           </a:p>
           <a:p>
+            <a:pPr lvl="1"/>
             <a:r>
               <a:rPr lang="pt-BR" dirty="0" smtClean="0"/>
-              <a:t>\a	: beep </a:t>
-            </a:r>
-            <a:r>
-              <a:rPr lang="pt-BR" smtClean="0"/>
-              <a:t>audio </a:t>
-            </a:r>
-            <a:r>
-              <a:rPr lang="pt-BR" smtClean="0"/>
-              <a:t>(only on </a:t>
-            </a:r>
-            <a:r>
-              <a:rPr lang="pt-BR" dirty="0" smtClean="0"/>
-              <a:t>windows) </a:t>
+              <a:t>\a	: beep audio (only on windows) </a:t>
             </a:r>
             <a:endParaRPr lang="en-US" dirty="0"/>
           </a:p>
@@ -5283,7 +5449,7 @@
         </p:blipFill>
         <p:spPr bwMode="auto">
           <a:xfrm>
-            <a:off x="182880" y="2989751"/>
+            <a:off x="182880" y="2933479"/>
             <a:ext cx="8219189" cy="2153749"/>
           </a:xfrm>
           <a:prstGeom prst="rect">
@@ -5420,6 +5586,237 @@
 </file>
 
 <file path=ppt/slides/slide20.xml><?xml version="1.0" encoding="utf-8"?>
+<p:sld xmlns:a="http://schemas.openxmlformats.org/drawingml/2006/main" xmlns:r="http://schemas.openxmlformats.org/officeDocument/2006/relationships" xmlns:p="http://schemas.openxmlformats.org/presentationml/2006/main">
+  <p:cSld>
+    <p:spTree>
+      <p:nvGrpSpPr>
+        <p:cNvPr id="1" name=""/>
+        <p:cNvGrpSpPr/>
+        <p:nvPr/>
+      </p:nvGrpSpPr>
+      <p:grpSpPr>
+        <a:xfrm>
+          <a:off x="0" y="0"/>
+          <a:ext cx="0" cy="0"/>
+          <a:chOff x="0" y="0"/>
+          <a:chExt cx="0" cy="0"/>
+        </a:xfrm>
+      </p:grpSpPr>
+      <p:sp>
+        <p:nvSpPr>
+          <p:cNvPr id="4" name="Title 3"/>
+          <p:cNvSpPr>
+            <a:spLocks noGrp="1"/>
+          </p:cNvSpPr>
+          <p:nvPr>
+            <p:ph type="title"/>
+          </p:nvPr>
+        </p:nvSpPr>
+        <p:spPr/>
+        <p:txBody>
+          <a:bodyPr/>
+          <a:lstStyle/>
+          <a:p>
+            <a:r>
+              <a:rPr lang="en-US" dirty="0" smtClean="0"/>
+              <a:t>Perl motto: TMTOWTDI</a:t>
+            </a:r>
+            <a:endParaRPr lang="en-US" dirty="0"/>
+          </a:p>
+        </p:txBody>
+      </p:sp>
+      <p:sp>
+        <p:nvSpPr>
+          <p:cNvPr id="5" name="Content Placeholder 4"/>
+          <p:cNvSpPr>
+            <a:spLocks noGrp="1"/>
+          </p:cNvSpPr>
+          <p:nvPr>
+            <p:ph idx="1"/>
+          </p:nvPr>
+        </p:nvSpPr>
+        <p:spPr/>
+        <p:txBody>
+          <a:bodyPr/>
+          <a:lstStyle/>
+          <a:p>
+            <a:r>
+              <a:rPr lang="en-US" u="sng" dirty="0" smtClean="0"/>
+              <a:t>T</a:t>
+            </a:r>
+            <a:r>
+              <a:rPr lang="en-US" dirty="0" smtClean="0"/>
+              <a:t>here's </a:t>
+            </a:r>
+            <a:r>
+              <a:rPr lang="en-US" u="sng" dirty="0" smtClean="0"/>
+              <a:t>m</a:t>
+            </a:r>
+            <a:r>
+              <a:rPr lang="en-US" dirty="0" smtClean="0"/>
+              <a:t>ore </a:t>
+            </a:r>
+            <a:r>
+              <a:rPr lang="en-US" u="sng" dirty="0" smtClean="0"/>
+              <a:t>t</a:t>
+            </a:r>
+            <a:r>
+              <a:rPr lang="en-US" dirty="0" smtClean="0"/>
+              <a:t>han </a:t>
+            </a:r>
+            <a:r>
+              <a:rPr lang="en-US" u="sng" dirty="0" smtClean="0"/>
+              <a:t>o</a:t>
+            </a:r>
+            <a:r>
+              <a:rPr lang="en-US" dirty="0" smtClean="0"/>
+              <a:t>ne </a:t>
+            </a:r>
+            <a:r>
+              <a:rPr lang="en-US" u="sng" dirty="0" smtClean="0"/>
+              <a:t>w</a:t>
+            </a:r>
+            <a:r>
+              <a:rPr lang="en-US" dirty="0" smtClean="0"/>
+              <a:t>ay </a:t>
+            </a:r>
+            <a:r>
+              <a:rPr lang="en-US" u="sng" dirty="0" smtClean="0"/>
+              <a:t>t</a:t>
+            </a:r>
+            <a:r>
+              <a:rPr lang="en-US" dirty="0" smtClean="0"/>
+              <a:t>o </a:t>
+            </a:r>
+            <a:r>
+              <a:rPr lang="en-US" u="sng" dirty="0" smtClean="0"/>
+              <a:t>d</a:t>
+            </a:r>
+            <a:r>
+              <a:rPr lang="en-US" dirty="0" smtClean="0"/>
+              <a:t>o </a:t>
+            </a:r>
+            <a:r>
+              <a:rPr lang="en-US" u="sng" dirty="0" smtClean="0"/>
+              <a:t>i</a:t>
+            </a:r>
+            <a:r>
+              <a:rPr lang="en-US" dirty="0" smtClean="0"/>
+              <a:t>t</a:t>
+            </a:r>
+          </a:p>
+          <a:p>
+            <a:r>
+              <a:rPr lang="en-US" dirty="0" smtClean="0"/>
+              <a:t>pronounced </a:t>
+            </a:r>
+            <a:r>
+              <a:rPr lang="en-US" b="1" i="1" dirty="0" smtClean="0"/>
+              <a:t>Tim Toady</a:t>
+            </a:r>
+            <a:endParaRPr lang="en-US" b="1" i="1" dirty="0"/>
+          </a:p>
+        </p:txBody>
+      </p:sp>
+      <p:pic>
+        <p:nvPicPr>
+          <p:cNvPr id="1026" name="Picture 2"/>
+          <p:cNvPicPr>
+            <a:picLocks noChangeAspect="1" noChangeArrowheads="1"/>
+          </p:cNvPicPr>
+          <p:nvPr/>
+        </p:nvPicPr>
+        <p:blipFill>
+          <a:blip r:embed="rId2" cstate="print"/>
+          <a:srcRect/>
+          <a:stretch>
+            <a:fillRect/>
+          </a:stretch>
+        </p:blipFill>
+        <p:spPr bwMode="auto">
+          <a:xfrm>
+            <a:off x="8042544" y="372794"/>
+            <a:ext cx="644256" cy="1462181"/>
+          </a:xfrm>
+          <a:prstGeom prst="rect">
+            <a:avLst/>
+          </a:prstGeom>
+          <a:noFill/>
+          <a:ln w="9525">
+            <a:noFill/>
+            <a:miter lim="800000"/>
+            <a:headEnd/>
+            <a:tailEnd/>
+          </a:ln>
+        </p:spPr>
+      </p:pic>
+      <p:pic>
+        <p:nvPicPr>
+          <p:cNvPr id="1028" name="Picture 4" descr="Z:\Work\CourseWork\Semester-3\Teaching\bioinfo-PERL-course\PPTs\sm_perl_id_bk_wt.gif"/>
+          <p:cNvPicPr>
+            <a:picLocks noChangeAspect="1" noChangeArrowheads="1"/>
+          </p:cNvPicPr>
+          <p:nvPr/>
+        </p:nvPicPr>
+        <p:blipFill>
+          <a:blip r:embed="rId3" cstate="print"/>
+          <a:srcRect/>
+          <a:stretch>
+            <a:fillRect/>
+          </a:stretch>
+        </p:blipFill>
+        <p:spPr bwMode="auto">
+          <a:xfrm>
+            <a:off x="6707653" y="562342"/>
+            <a:ext cx="1167984" cy="1167984"/>
+          </a:xfrm>
+          <a:prstGeom prst="rect">
+            <a:avLst/>
+          </a:prstGeom>
+          <a:noFill/>
+        </p:spPr>
+      </p:pic>
+      <p:pic>
+        <p:nvPicPr>
+          <p:cNvPr id="1029" name="Picture 5"/>
+          <p:cNvPicPr>
+            <a:picLocks noChangeAspect="1" noChangeArrowheads="1"/>
+          </p:cNvPicPr>
+          <p:nvPr/>
+        </p:nvPicPr>
+        <p:blipFill>
+          <a:blip r:embed="rId4" cstate="print"/>
+          <a:srcRect/>
+          <a:stretch>
+            <a:fillRect/>
+          </a:stretch>
+        </p:blipFill>
+        <p:spPr bwMode="auto">
+          <a:xfrm>
+            <a:off x="329478" y="2319045"/>
+            <a:ext cx="8730114" cy="2643111"/>
+          </a:xfrm>
+          <a:prstGeom prst="rect">
+            <a:avLst/>
+          </a:prstGeom>
+          <a:noFill/>
+          <a:ln w="9525">
+            <a:noFill/>
+            <a:miter lim="800000"/>
+            <a:headEnd/>
+            <a:tailEnd/>
+          </a:ln>
+        </p:spPr>
+      </p:pic>
+    </p:spTree>
+  </p:cSld>
+  <p:clrMapOvr>
+    <a:masterClrMapping/>
+  </p:clrMapOvr>
+</p:sld>
+</file>
+
+<file path=ppt/slides/slide21.xml><?xml version="1.0" encoding="utf-8"?>
 <p:sld xmlns:a="http://schemas.openxmlformats.org/drawingml/2006/main" xmlns:r="http://schemas.openxmlformats.org/officeDocument/2006/relationships" xmlns:p="http://schemas.openxmlformats.org/presentationml/2006/main">
   <p:cSld>
     <p:spTree>
@@ -5567,7 +5964,7 @@
 </p:sld>
 </file>
 
-<file path=ppt/slides/slide21.xml><?xml version="1.0" encoding="utf-8"?>
+<file path=ppt/slides/slide22.xml><?xml version="1.0" encoding="utf-8"?>
 <p:sld xmlns:a="http://schemas.openxmlformats.org/drawingml/2006/main" xmlns:r="http://schemas.openxmlformats.org/officeDocument/2006/relationships" xmlns:p="http://schemas.openxmlformats.org/presentationml/2006/main">
   <p:cSld>
     <p:spTree>
@@ -6399,7 +6796,33 @@
               <a:rPr lang="pt-BR" dirty="0" smtClean="0"/>
               <a:t>Write the following: </a:t>
             </a:r>
-            <a:endParaRPr lang="en-US" dirty="0"/>
+          </a:p>
+          <a:p>
+            <a:endParaRPr lang="pt-BR" dirty="0" smtClean="0"/>
+          </a:p>
+          <a:p>
+            <a:endParaRPr lang="pt-BR" dirty="0" smtClean="0"/>
+          </a:p>
+          <a:p>
+            <a:endParaRPr lang="pt-BR" dirty="0" smtClean="0"/>
+          </a:p>
+          <a:p>
+            <a:endParaRPr lang="pt-BR" dirty="0" smtClean="0"/>
+          </a:p>
+          <a:p>
+            <a:r>
+              <a:rPr lang="pt-BR" dirty="0" smtClean="0"/>
+              <a:t>This file is called a </a:t>
+            </a:r>
+            <a:r>
+              <a:rPr lang="pt-BR" b="1" dirty="0" smtClean="0"/>
+              <a:t>source code</a:t>
+            </a:r>
+            <a:r>
+              <a:rPr lang="pt-BR" dirty="0" smtClean="0"/>
+              <a:t>. </a:t>
+            </a:r>
+            <a:endParaRPr lang="pt-BR" dirty="0" smtClean="0"/>
           </a:p>
         </p:txBody>
       </p:sp>
@@ -7186,7 +7609,7 @@
         </p:blipFill>
         <p:spPr bwMode="auto">
           <a:xfrm>
-            <a:off x="2432603" y="2532184"/>
+            <a:off x="2432603" y="2489980"/>
             <a:ext cx="2800579" cy="254449"/>
           </a:xfrm>
           <a:prstGeom prst="rect">

--- a/PPTs/Getting_stared_with_perl.pptx
+++ b/PPTs/Getting_stared_with_perl.pptx
@@ -317,7 +317,7 @@
             <a:fld id="{C8A432C8-69A7-458B-9684-2BFA64B31948}" type="datetime2">
               <a:rPr lang="en-US" smtClean="0"/>
               <a:pPr/>
-              <a:t>Thursday, May 25, 2017</a:t>
+              <a:t>Friday, May 26, 2017</a:t>
             </a:fld>
             <a:endParaRPr lang="en-US"/>
           </a:p>
@@ -520,7 +520,7 @@
             <a:fld id="{8CC057FC-95B6-4D89-AFDA-ABA33EE921E5}" type="datetime2">
               <a:rPr lang="en-US" smtClean="0"/>
               <a:pPr/>
-              <a:t>Thursday, May 25, 2017</a:t>
+              <a:t>Friday, May 26, 2017</a:t>
             </a:fld>
             <a:endParaRPr lang="en-US"/>
           </a:p>
@@ -698,7 +698,7 @@
             <a:fld id="{EC4549AC-EB31-477F-92A9-B1988E232878}" type="datetime2">
               <a:rPr lang="en-US" smtClean="0"/>
               <a:pPr/>
-              <a:t>Thursday, May 25, 2017</a:t>
+              <a:t>Friday, May 26, 2017</a:t>
             </a:fld>
             <a:endParaRPr lang="en-US"/>
           </a:p>
@@ -866,7 +866,7 @@
             <a:fld id="{6396A3A3-94A6-4E5B-AF39-173ACA3E61CC}" type="datetime2">
               <a:rPr lang="en-US" smtClean="0"/>
               <a:pPr/>
-              <a:t>Thursday, May 25, 2017</a:t>
+              <a:t>Friday, May 26, 2017</a:t>
             </a:fld>
             <a:endParaRPr lang="en-US"/>
           </a:p>
@@ -1117,7 +1117,7 @@
             <a:fld id="{9933D019-A32C-4EAD-B8E6-DBDA699692FD}" type="datetime2">
               <a:rPr lang="en-US" smtClean="0"/>
               <a:pPr/>
-              <a:t>Thursday, May 25, 2017</a:t>
+              <a:t>Friday, May 26, 2017</a:t>
             </a:fld>
             <a:endParaRPr lang="en-US"/>
           </a:p>
@@ -1438,7 +1438,7 @@
             <a:fld id="{CCEBA98F-560C-4997-81C4-81D4D9187EAB}" type="datetime2">
               <a:rPr lang="en-US" smtClean="0"/>
               <a:pPr/>
-              <a:t>Thursday, May 25, 2017</a:t>
+              <a:t>Friday, May 26, 2017</a:t>
             </a:fld>
             <a:endParaRPr lang="en-US"/>
           </a:p>
@@ -1907,7 +1907,7 @@
             <a:fld id="{150972B2-CA5C-437D-87D0-8081271A9E4B}" type="datetime2">
               <a:rPr lang="en-US" smtClean="0"/>
               <a:pPr/>
-              <a:t>Thursday, May 25, 2017</a:t>
+              <a:t>Friday, May 26, 2017</a:t>
             </a:fld>
             <a:endParaRPr lang="en-US"/>
           </a:p>
@@ -2058,7 +2058,7 @@
             <a:fld id="{79CD4847-11EF-4466-A8AD-85CDB7B49118}" type="datetime2">
               <a:rPr lang="en-US" smtClean="0"/>
               <a:pPr/>
-              <a:t>Thursday, May 25, 2017</a:t>
+              <a:t>Friday, May 26, 2017</a:t>
             </a:fld>
             <a:endParaRPr lang="en-US"/>
           </a:p>
@@ -2151,7 +2151,7 @@
             <a:fld id="{F168457A-3AB9-4880-8A0C-9F8524491207}" type="datetime2">
               <a:rPr lang="en-US" smtClean="0"/>
               <a:pPr/>
-              <a:t>Thursday, May 25, 2017</a:t>
+              <a:t>Friday, May 26, 2017</a:t>
             </a:fld>
             <a:endParaRPr lang="en-US"/>
           </a:p>
@@ -2428,7 +2428,7 @@
             <a:fld id="{3FE976D3-5B7F-4300-ABED-C91F1B2AE209}" type="datetime2">
               <a:rPr lang="en-US" smtClean="0"/>
               <a:pPr/>
-              <a:t>Thursday, May 25, 2017</a:t>
+              <a:t>Friday, May 26, 2017</a:t>
             </a:fld>
             <a:endParaRPr lang="en-US"/>
           </a:p>
@@ -2736,7 +2736,7 @@
             <a:fld id="{EBDC1E59-17DD-41CE-97CA-624A472382D4}" type="datetime2">
               <a:rPr lang="en-US" smtClean="0"/>
               <a:pPr/>
-              <a:t>Thursday, May 25, 2017</a:t>
+              <a:t>Friday, May 26, 2017</a:t>
             </a:fld>
             <a:endParaRPr lang="en-US"/>
           </a:p>
@@ -3037,7 +3037,7 @@
             <a:fld id="{A80CB818-7379-467D-8E76-EF9D9074A26C}" type="datetime2">
               <a:rPr lang="en-US" smtClean="0"/>
               <a:pPr/>
-              <a:t>Thursday, May 25, 2017</a:t>
+              <a:t>Friday, May 26, 2017</a:t>
             </a:fld>
             <a:endParaRPr lang="en-US" dirty="0"/>
           </a:p>
@@ -3462,7 +3462,15 @@
                   <a:srgbClr val="00B0F0"/>
                 </a:solidFill>
               </a:rPr>
-              <a:t>PERL</a:t>
+              <a:t>P</a:t>
+            </a:r>
+            <a:r>
+              <a:rPr lang="pt-BR" cap="none" dirty="0" smtClean="0">
+                <a:solidFill>
+                  <a:srgbClr val="00B0F0"/>
+                </a:solidFill>
+              </a:rPr>
+              <a:t>erl</a:t>
             </a:r>
             <a:endParaRPr lang="en-US" dirty="0">
               <a:solidFill>
@@ -3494,7 +3502,7 @@
     </p:spTree>
     <p:extLst>
       <p:ext uri="{BB962C8B-B14F-4D97-AF65-F5344CB8AC3E}">
-        <p14:creationId xmlns:p14="http://schemas.microsoft.com/office/powerpoint/2010/main" xmlns="" val="182139768"/>
+        <p14:creationId xmlns="" xmlns:p14="http://schemas.microsoft.com/office/powerpoint/2010/main" val="182139768"/>
       </p:ext>
     </p:extLst>
   </p:cSld>
@@ -5529,7 +5537,15 @@
           <a:p>
             <a:r>
               <a:rPr lang="pt-BR" dirty="0" smtClean="0"/>
-              <a:t>Setup your computer for PERL programming</a:t>
+              <a:t>Setup your computer for </a:t>
+            </a:r>
+            <a:r>
+              <a:rPr lang="pt-BR" dirty="0" smtClean="0"/>
+              <a:t>Perl </a:t>
+            </a:r>
+            <a:r>
+              <a:rPr lang="pt-BR" dirty="0" smtClean="0"/>
+              <a:t>programming</a:t>
             </a:r>
           </a:p>
           <a:p>
@@ -5556,14 +5572,53 @@
           <a:p>
             <a:r>
               <a:rPr lang="pt-BR" dirty="0" smtClean="0"/>
-              <a:t>Write your first PERL code.</a:t>
-            </a:r>
-          </a:p>
-          <a:p>
+              <a:t>Write your first </a:t>
+            </a:r>
             <a:r>
               <a:rPr lang="pt-BR" dirty="0" smtClean="0"/>
-              <a:t>Execute the PERL script</a:t>
-            </a:r>
+              <a:t>Perl </a:t>
+            </a:r>
+            <a:r>
+              <a:rPr lang="pt-BR" dirty="0" smtClean="0"/>
+              <a:t>code</a:t>
+            </a:r>
+            <a:r>
+              <a:rPr lang="pt-BR" dirty="0" smtClean="0"/>
+              <a:t>.</a:t>
+            </a:r>
+          </a:p>
+          <a:p>
+            <a:pPr lvl="1"/>
+            <a:r>
+              <a:rPr lang="pt-BR" dirty="0" smtClean="0"/>
+              <a:t>Say hello to Perl</a:t>
+            </a:r>
+            <a:endParaRPr lang="pt-BR" dirty="0" smtClean="0"/>
+          </a:p>
+          <a:p>
+            <a:r>
+              <a:rPr lang="pt-BR" dirty="0" smtClean="0"/>
+              <a:t>Execute the </a:t>
+            </a:r>
+            <a:r>
+              <a:rPr lang="pt-BR" dirty="0" smtClean="0"/>
+              <a:t>Perl script</a:t>
+            </a:r>
+          </a:p>
+          <a:p>
+            <a:pPr lvl="1"/>
+            <a:r>
+              <a:rPr lang="pt-BR" dirty="0" smtClean="0"/>
+              <a:t>Windows</a:t>
+            </a:r>
+          </a:p>
+          <a:p>
+            <a:pPr lvl="1"/>
+            <a:r>
+              <a:rPr lang="pt-BR" dirty="0" smtClean="0"/>
+              <a:t>Linux</a:t>
+            </a:r>
+            <a:endParaRPr lang="pt-BR" dirty="0" smtClean="0"/>
           </a:p>
           <a:p>
             <a:endParaRPr lang="en-US" dirty="0"/>
@@ -6021,7 +6076,11 @@
           <a:p>
             <a:r>
               <a:rPr lang="pt-BR" dirty="0" smtClean="0"/>
-              <a:t>Checkand report version of  PERL on your computer.</a:t>
+              <a:t>Check and </a:t>
+            </a:r>
+            <a:r>
+              <a:rPr lang="pt-BR" dirty="0" smtClean="0"/>
+              <a:t>report version of  PERL on your computer.</a:t>
             </a:r>
             <a:endParaRPr lang="en-US" dirty="0" smtClean="0"/>
           </a:p>
@@ -6822,7 +6881,6 @@
               <a:rPr lang="pt-BR" dirty="0" smtClean="0"/>
               <a:t>. </a:t>
             </a:r>
-            <a:endParaRPr lang="pt-BR" dirty="0" smtClean="0"/>
           </a:p>
         </p:txBody>
       </p:sp>

--- a/PPTs/Getting_stared_with_perl.pptx
+++ b/PPTs/Getting_stared_with_perl.pptx
@@ -24,9 +24,11 @@
     <p:sldId id="271" r:id="rId18"/>
     <p:sldId id="273" r:id="rId19"/>
     <p:sldId id="275" r:id="rId20"/>
-    <p:sldId id="277" r:id="rId21"/>
-    <p:sldId id="262" r:id="rId22"/>
-    <p:sldId id="272" r:id="rId23"/>
+    <p:sldId id="278" r:id="rId21"/>
+    <p:sldId id="279" r:id="rId22"/>
+    <p:sldId id="277" r:id="rId23"/>
+    <p:sldId id="262" r:id="rId24"/>
+    <p:sldId id="272" r:id="rId25"/>
   </p:sldIdLst>
   <p:sldSz cx="9144000" cy="5143500" type="screen16x9"/>
   <p:notesSz cx="6858000" cy="9144000"/>
@@ -317,7 +319,7 @@
             <a:fld id="{C8A432C8-69A7-458B-9684-2BFA64B31948}" type="datetime2">
               <a:rPr lang="en-US" smtClean="0"/>
               <a:pPr/>
-              <a:t>Friday, May 26, 2017</a:t>
+              <a:t>Saturday, May 27, 2017</a:t>
             </a:fld>
             <a:endParaRPr lang="en-US"/>
           </a:p>
@@ -520,7 +522,7 @@
             <a:fld id="{8CC057FC-95B6-4D89-AFDA-ABA33EE921E5}" type="datetime2">
               <a:rPr lang="en-US" smtClean="0"/>
               <a:pPr/>
-              <a:t>Friday, May 26, 2017</a:t>
+              <a:t>Saturday, May 27, 2017</a:t>
             </a:fld>
             <a:endParaRPr lang="en-US"/>
           </a:p>
@@ -698,7 +700,7 @@
             <a:fld id="{EC4549AC-EB31-477F-92A9-B1988E232878}" type="datetime2">
               <a:rPr lang="en-US" smtClean="0"/>
               <a:pPr/>
-              <a:t>Friday, May 26, 2017</a:t>
+              <a:t>Saturday, May 27, 2017</a:t>
             </a:fld>
             <a:endParaRPr lang="en-US"/>
           </a:p>
@@ -866,7 +868,7 @@
             <a:fld id="{6396A3A3-94A6-4E5B-AF39-173ACA3E61CC}" type="datetime2">
               <a:rPr lang="en-US" smtClean="0"/>
               <a:pPr/>
-              <a:t>Friday, May 26, 2017</a:t>
+              <a:t>Saturday, May 27, 2017</a:t>
             </a:fld>
             <a:endParaRPr lang="en-US"/>
           </a:p>
@@ -1117,7 +1119,7 @@
             <a:fld id="{9933D019-A32C-4EAD-B8E6-DBDA699692FD}" type="datetime2">
               <a:rPr lang="en-US" smtClean="0"/>
               <a:pPr/>
-              <a:t>Friday, May 26, 2017</a:t>
+              <a:t>Saturday, May 27, 2017</a:t>
             </a:fld>
             <a:endParaRPr lang="en-US"/>
           </a:p>
@@ -1438,7 +1440,7 @@
             <a:fld id="{CCEBA98F-560C-4997-81C4-81D4D9187EAB}" type="datetime2">
               <a:rPr lang="en-US" smtClean="0"/>
               <a:pPr/>
-              <a:t>Friday, May 26, 2017</a:t>
+              <a:t>Saturday, May 27, 2017</a:t>
             </a:fld>
             <a:endParaRPr lang="en-US"/>
           </a:p>
@@ -1907,7 +1909,7 @@
             <a:fld id="{150972B2-CA5C-437D-87D0-8081271A9E4B}" type="datetime2">
               <a:rPr lang="en-US" smtClean="0"/>
               <a:pPr/>
-              <a:t>Friday, May 26, 2017</a:t>
+              <a:t>Saturday, May 27, 2017</a:t>
             </a:fld>
             <a:endParaRPr lang="en-US"/>
           </a:p>
@@ -2058,7 +2060,7 @@
             <a:fld id="{79CD4847-11EF-4466-A8AD-85CDB7B49118}" type="datetime2">
               <a:rPr lang="en-US" smtClean="0"/>
               <a:pPr/>
-              <a:t>Friday, May 26, 2017</a:t>
+              <a:t>Saturday, May 27, 2017</a:t>
             </a:fld>
             <a:endParaRPr lang="en-US"/>
           </a:p>
@@ -2151,7 +2153,7 @@
             <a:fld id="{F168457A-3AB9-4880-8A0C-9F8524491207}" type="datetime2">
               <a:rPr lang="en-US" smtClean="0"/>
               <a:pPr/>
-              <a:t>Friday, May 26, 2017</a:t>
+              <a:t>Saturday, May 27, 2017</a:t>
             </a:fld>
             <a:endParaRPr lang="en-US"/>
           </a:p>
@@ -2428,7 +2430,7 @@
             <a:fld id="{3FE976D3-5B7F-4300-ABED-C91F1B2AE209}" type="datetime2">
               <a:rPr lang="en-US" smtClean="0"/>
               <a:pPr/>
-              <a:t>Friday, May 26, 2017</a:t>
+              <a:t>Saturday, May 27, 2017</a:t>
             </a:fld>
             <a:endParaRPr lang="en-US"/>
           </a:p>
@@ -2736,7 +2738,7 @@
             <a:fld id="{EBDC1E59-17DD-41CE-97CA-624A472382D4}" type="datetime2">
               <a:rPr lang="en-US" smtClean="0"/>
               <a:pPr/>
-              <a:t>Friday, May 26, 2017</a:t>
+              <a:t>Saturday, May 27, 2017</a:t>
             </a:fld>
             <a:endParaRPr lang="en-US"/>
           </a:p>
@@ -3037,7 +3039,7 @@
             <a:fld id="{A80CB818-7379-467D-8E76-EF9D9074A26C}" type="datetime2">
               <a:rPr lang="en-US" smtClean="0"/>
               <a:pPr/>
-              <a:t>Friday, May 26, 2017</a:t>
+              <a:t>Saturday, May 27, 2017</a:t>
             </a:fld>
             <a:endParaRPr lang="en-US" dirty="0"/>
           </a:p>
@@ -3502,7 +3504,7 @@
     </p:spTree>
     <p:extLst>
       <p:ext uri="{BB962C8B-B14F-4D97-AF65-F5344CB8AC3E}">
-        <p14:creationId xmlns="" xmlns:p14="http://schemas.microsoft.com/office/powerpoint/2010/main" val="182139768"/>
+        <p14:creationId xmlns:p14="http://schemas.microsoft.com/office/powerpoint/2010/main" xmlns="" val="182139768"/>
       </p:ext>
     </p:extLst>
   </p:cSld>
@@ -5537,15 +5539,7 @@
           <a:p>
             <a:r>
               <a:rPr lang="pt-BR" dirty="0" smtClean="0"/>
-              <a:t>Setup your computer for </a:t>
-            </a:r>
-            <a:r>
-              <a:rPr lang="pt-BR" dirty="0" smtClean="0"/>
-              <a:t>Perl </a:t>
-            </a:r>
-            <a:r>
-              <a:rPr lang="pt-BR" dirty="0" smtClean="0"/>
-              <a:t>programming</a:t>
+              <a:t>Setup your computer for Perl programming</a:t>
             </a:r>
           </a:p>
           <a:p>
@@ -5572,19 +5566,7 @@
           <a:p>
             <a:r>
               <a:rPr lang="pt-BR" dirty="0" smtClean="0"/>
-              <a:t>Write your first </a:t>
-            </a:r>
-            <a:r>
-              <a:rPr lang="pt-BR" dirty="0" smtClean="0"/>
-              <a:t>Perl </a:t>
-            </a:r>
-            <a:r>
-              <a:rPr lang="pt-BR" dirty="0" smtClean="0"/>
-              <a:t>code</a:t>
-            </a:r>
-            <a:r>
-              <a:rPr lang="pt-BR" dirty="0" smtClean="0"/>
-              <a:t>.</a:t>
+              <a:t>Write your first Perl code.</a:t>
             </a:r>
           </a:p>
           <a:p>
@@ -5593,16 +5575,11 @@
               <a:rPr lang="pt-BR" dirty="0" smtClean="0"/>
               <a:t>Say hello to Perl</a:t>
             </a:r>
-            <a:endParaRPr lang="pt-BR" dirty="0" smtClean="0"/>
           </a:p>
           <a:p>
             <a:r>
               <a:rPr lang="pt-BR" dirty="0" smtClean="0"/>
-              <a:t>Execute the </a:t>
-            </a:r>
-            <a:r>
-              <a:rPr lang="pt-BR" dirty="0" smtClean="0"/>
-              <a:t>Perl script</a:t>
+              <a:t>Execute the Perl script</a:t>
             </a:r>
           </a:p>
           <a:p>
@@ -5618,7 +5595,6 @@
               <a:rPr lang="pt-BR" dirty="0" smtClean="0"/>
               <a:t>Linux</a:t>
             </a:r>
-            <a:endParaRPr lang="pt-BR" dirty="0" smtClean="0"/>
           </a:p>
           <a:p>
             <a:endParaRPr lang="en-US" dirty="0"/>
@@ -5641,6 +5617,307 @@
 </file>
 
 <file path=ppt/slides/slide20.xml><?xml version="1.0" encoding="utf-8"?>
+<p:sld xmlns:a="http://schemas.openxmlformats.org/drawingml/2006/main" xmlns:r="http://schemas.openxmlformats.org/officeDocument/2006/relationships" xmlns:p="http://schemas.openxmlformats.org/presentationml/2006/main">
+  <p:cSld>
+    <p:spTree>
+      <p:nvGrpSpPr>
+        <p:cNvPr id="1" name=""/>
+        <p:cNvGrpSpPr/>
+        <p:nvPr/>
+      </p:nvGrpSpPr>
+      <p:grpSpPr>
+        <a:xfrm>
+          <a:off x="0" y="0"/>
+          <a:ext cx="0" cy="0"/>
+          <a:chOff x="0" y="0"/>
+          <a:chExt cx="0" cy="0"/>
+        </a:xfrm>
+      </p:grpSpPr>
+      <p:sp>
+        <p:nvSpPr>
+          <p:cNvPr id="2" name="Title 1"/>
+          <p:cNvSpPr>
+            <a:spLocks noGrp="1"/>
+          </p:cNvSpPr>
+          <p:nvPr>
+            <p:ph type="title"/>
+          </p:nvPr>
+        </p:nvSpPr>
+        <p:spPr/>
+        <p:txBody>
+          <a:bodyPr/>
+          <a:lstStyle/>
+          <a:p>
+            <a:r>
+              <a:rPr lang="en-US" dirty="0" smtClean="0"/>
+              <a:t>Error </a:t>
+            </a:r>
+            <a:r>
+              <a:rPr lang="en-US" dirty="0" smtClean="0"/>
+              <a:t>messages</a:t>
+            </a:r>
+            <a:endParaRPr lang="en-US" dirty="0"/>
+          </a:p>
+        </p:txBody>
+      </p:sp>
+      <p:sp>
+        <p:nvSpPr>
+          <p:cNvPr id="3" name="Content Placeholder 2"/>
+          <p:cNvSpPr>
+            <a:spLocks noGrp="1"/>
+          </p:cNvSpPr>
+          <p:nvPr>
+            <p:ph idx="1"/>
+          </p:nvPr>
+        </p:nvSpPr>
+        <p:spPr/>
+        <p:txBody>
+          <a:bodyPr/>
+          <a:lstStyle/>
+          <a:p>
+            <a:r>
+              <a:rPr lang="en-IN" dirty="0" smtClean="0"/>
+              <a:t>Run the script to see if it works</a:t>
+            </a:r>
+          </a:p>
+          <a:p>
+            <a:r>
+              <a:rPr lang="en-IN" dirty="0" smtClean="0"/>
+              <a:t>Typographical errors are common</a:t>
+            </a:r>
+          </a:p>
+          <a:p>
+            <a:pPr lvl="1"/>
+            <a:r>
+              <a:rPr lang="en-IN" dirty="0" smtClean="0"/>
+              <a:t>Missing semi-colons</a:t>
+            </a:r>
+          </a:p>
+          <a:p>
+            <a:pPr lvl="1"/>
+            <a:r>
+              <a:rPr lang="en-IN" dirty="0" smtClean="0"/>
+              <a:t>Closing parenthesis or curly braces</a:t>
+            </a:r>
+          </a:p>
+          <a:p>
+            <a:r>
+              <a:rPr lang="en-IN" dirty="0" smtClean="0"/>
+              <a:t>Perl errors include line numbers</a:t>
+            </a:r>
+          </a:p>
+          <a:p>
+            <a:pPr lvl="1"/>
+            <a:r>
+              <a:rPr lang="en-IN" dirty="0" smtClean="0"/>
+              <a:t>Check before and after that line</a:t>
+            </a:r>
+          </a:p>
+          <a:p>
+            <a:r>
+              <a:rPr lang="en-IN" dirty="0" smtClean="0"/>
+              <a:t>Can learn more with practice</a:t>
+            </a:r>
+          </a:p>
+          <a:p>
+            <a:r>
+              <a:rPr lang="en-IN" dirty="0" smtClean="0"/>
+              <a:t> GIGO : logical errors needs careful testing results</a:t>
+            </a:r>
+          </a:p>
+          <a:p>
+            <a:pPr lvl="1"/>
+            <a:endParaRPr lang="en-US" dirty="0"/>
+          </a:p>
+        </p:txBody>
+      </p:sp>
+    </p:spTree>
+  </p:cSld>
+  <p:clrMapOvr>
+    <a:masterClrMapping/>
+  </p:clrMapOvr>
+</p:sld>
+</file>
+
+<file path=ppt/slides/slide21.xml><?xml version="1.0" encoding="utf-8"?>
+<p:sld xmlns:a="http://schemas.openxmlformats.org/drawingml/2006/main" xmlns:r="http://schemas.openxmlformats.org/officeDocument/2006/relationships" xmlns:p="http://schemas.openxmlformats.org/presentationml/2006/main">
+  <p:cSld>
+    <p:spTree>
+      <p:nvGrpSpPr>
+        <p:cNvPr id="1" name=""/>
+        <p:cNvGrpSpPr/>
+        <p:nvPr/>
+      </p:nvGrpSpPr>
+      <p:grpSpPr>
+        <a:xfrm>
+          <a:off x="0" y="0"/>
+          <a:ext cx="0" cy="0"/>
+          <a:chOff x="0" y="0"/>
+          <a:chExt cx="0" cy="0"/>
+        </a:xfrm>
+      </p:grpSpPr>
+      <p:sp>
+        <p:nvSpPr>
+          <p:cNvPr id="2" name="Title 1"/>
+          <p:cNvSpPr>
+            <a:spLocks noGrp="1"/>
+          </p:cNvSpPr>
+          <p:nvPr>
+            <p:ph type="title"/>
+          </p:nvPr>
+        </p:nvSpPr>
+        <p:spPr/>
+        <p:txBody>
+          <a:bodyPr/>
+          <a:lstStyle/>
+          <a:p>
+            <a:r>
+              <a:rPr lang="en-IN" dirty="0" smtClean="0"/>
+              <a:t>Getting help</a:t>
+            </a:r>
+            <a:endParaRPr lang="en-US" dirty="0"/>
+          </a:p>
+        </p:txBody>
+      </p:sp>
+      <p:sp>
+        <p:nvSpPr>
+          <p:cNvPr id="3" name="Content Placeholder 2"/>
+          <p:cNvSpPr>
+            <a:spLocks noGrp="1"/>
+          </p:cNvSpPr>
+          <p:nvPr>
+            <p:ph idx="1"/>
+          </p:nvPr>
+        </p:nvSpPr>
+        <p:spPr/>
+        <p:txBody>
+          <a:bodyPr/>
+          <a:lstStyle/>
+          <a:p>
+            <a:r>
+              <a:rPr lang="en-IN" dirty="0" smtClean="0"/>
+              <a:t>Google about it.</a:t>
+            </a:r>
+          </a:p>
+          <a:p>
+            <a:r>
+              <a:rPr lang="en-GB" dirty="0" smtClean="0"/>
+              <a:t>Stack Overflow (</a:t>
+            </a:r>
+            <a:r>
+              <a:rPr lang="en-GB" dirty="0" smtClean="0">
+                <a:hlinkClick r:id="rId2"/>
+              </a:rPr>
+              <a:t>http://</a:t>
+            </a:r>
+            <a:r>
+              <a:rPr lang="en-GB" dirty="0" smtClean="0">
+                <a:hlinkClick r:id="rId2"/>
+              </a:rPr>
+              <a:t>stackoverflow.com</a:t>
+            </a:r>
+            <a:r>
+              <a:rPr lang="en-GB" dirty="0" smtClean="0"/>
+              <a:t>) a </a:t>
+            </a:r>
+            <a:r>
+              <a:rPr lang="en-GB" dirty="0" smtClean="0"/>
+              <a:t>generic forum for programmers</a:t>
+            </a:r>
+            <a:r>
+              <a:rPr lang="en-GB" dirty="0" smtClean="0"/>
+              <a:t>.</a:t>
+            </a:r>
+          </a:p>
+          <a:p>
+            <a:r>
+              <a:rPr lang="en-US" dirty="0" smtClean="0">
+                <a:hlinkClick r:id="rId3"/>
+              </a:rPr>
+              <a:t>http://perlmonks.org</a:t>
+            </a:r>
+            <a:r>
+              <a:rPr lang="en-US" dirty="0" smtClean="0">
+                <a:hlinkClick r:id="rId3"/>
+              </a:rPr>
+              <a:t>/</a:t>
+            </a:r>
+            <a:r>
+              <a:rPr lang="en-US" dirty="0" smtClean="0"/>
+              <a:t> </a:t>
+            </a:r>
+          </a:p>
+          <a:p>
+            <a:r>
+              <a:rPr lang="en-US" dirty="0" smtClean="0">
+                <a:hlinkClick r:id="rId4"/>
+              </a:rPr>
+              <a:t>http://</a:t>
+            </a:r>
+            <a:r>
+              <a:rPr lang="en-US" dirty="0" smtClean="0">
+                <a:hlinkClick r:id="rId4"/>
+              </a:rPr>
+              <a:t>perldoc.perl.org</a:t>
+            </a:r>
+            <a:r>
+              <a:rPr lang="en-US" dirty="0" smtClean="0"/>
+              <a:t> (Perl functions)</a:t>
+            </a:r>
+          </a:p>
+          <a:p>
+            <a:r>
+              <a:rPr lang="en-IN" dirty="0" smtClean="0"/>
+              <a:t>Ask a friend</a:t>
+            </a:r>
+            <a:endParaRPr lang="en-US" dirty="0" smtClean="0"/>
+          </a:p>
+          <a:p>
+            <a:endParaRPr lang="en-US" dirty="0"/>
+          </a:p>
+        </p:txBody>
+      </p:sp>
+      <p:pic>
+        <p:nvPicPr>
+          <p:cNvPr id="1026" name="Picture 2"/>
+          <p:cNvPicPr>
+            <a:picLocks noChangeAspect="1" noChangeArrowheads="1"/>
+          </p:cNvPicPr>
+          <p:nvPr/>
+        </p:nvPicPr>
+        <p:blipFill>
+          <a:blip r:embed="rId5" cstate="print"/>
+          <a:srcRect/>
+          <a:stretch>
+            <a:fillRect/>
+          </a:stretch>
+        </p:blipFill>
+        <p:spPr bwMode="auto">
+          <a:xfrm>
+            <a:off x="4803640" y="3599133"/>
+            <a:ext cx="3486150" cy="1019175"/>
+          </a:xfrm>
+          <a:prstGeom prst="rect">
+            <a:avLst/>
+          </a:prstGeom>
+          <a:noFill/>
+          <a:ln w="9525">
+            <a:noFill/>
+            <a:miter lim="800000"/>
+            <a:headEnd/>
+            <a:tailEnd/>
+          </a:ln>
+        </p:spPr>
+      </p:pic>
+    </p:spTree>
+  </p:cSld>
+  <p:clrMapOvr>
+    <a:masterClrMapping/>
+  </p:clrMapOvr>
+</p:sld>
+</file>
+
+<file path=ppt/slides/slide22.xml><?xml version="1.0" encoding="utf-8"?>
 <p:sld xmlns:a="http://schemas.openxmlformats.org/drawingml/2006/main" xmlns:r="http://schemas.openxmlformats.org/officeDocument/2006/relationships" xmlns:p="http://schemas.openxmlformats.org/presentationml/2006/main">
   <p:cSld>
     <p:spTree>
@@ -5871,7 +6148,7 @@
 </p:sld>
 </file>
 
-<file path=ppt/slides/slide21.xml><?xml version="1.0" encoding="utf-8"?>
+<file path=ppt/slides/slide23.xml><?xml version="1.0" encoding="utf-8"?>
 <p:sld xmlns:a="http://schemas.openxmlformats.org/drawingml/2006/main" xmlns:r="http://schemas.openxmlformats.org/officeDocument/2006/relationships" xmlns:p="http://schemas.openxmlformats.org/presentationml/2006/main">
   <p:cSld>
     <p:spTree>
@@ -6019,7 +6296,7 @@
 </p:sld>
 </file>
 
-<file path=ppt/slides/slide22.xml><?xml version="1.0" encoding="utf-8"?>
+<file path=ppt/slides/slide24.xml><?xml version="1.0" encoding="utf-8"?>
 <p:sld xmlns:a="http://schemas.openxmlformats.org/drawingml/2006/main" xmlns:r="http://schemas.openxmlformats.org/officeDocument/2006/relationships" xmlns:p="http://schemas.openxmlformats.org/presentationml/2006/main">
   <p:cSld>
     <p:spTree>
@@ -6076,11 +6353,7 @@
           <a:p>
             <a:r>
               <a:rPr lang="pt-BR" dirty="0" smtClean="0"/>
-              <a:t>Check and </a:t>
-            </a:r>
-            <a:r>
-              <a:rPr lang="pt-BR" dirty="0" smtClean="0"/>
-              <a:t>report version of  PERL on your computer.</a:t>
+              <a:t>Check and report version of  PERL on your computer.</a:t>
             </a:r>
             <a:endParaRPr lang="en-US" dirty="0" smtClean="0"/>
           </a:p>

--- a/PPTs/Getting_stared_with_perl.pptx
+++ b/PPTs/Getting_stared_with_perl.pptx
@@ -9,26 +9,28 @@
     <p:sldId id="263" r:id="rId3"/>
     <p:sldId id="264" r:id="rId4"/>
     <p:sldId id="265" r:id="rId5"/>
-    <p:sldId id="257" r:id="rId6"/>
-    <p:sldId id="259" r:id="rId7"/>
+    <p:sldId id="259" r:id="rId6"/>
+    <p:sldId id="257" r:id="rId7"/>
     <p:sldId id="258" r:id="rId8"/>
     <p:sldId id="276" r:id="rId9"/>
     <p:sldId id="269" r:id="rId10"/>
     <p:sldId id="260" r:id="rId11"/>
     <p:sldId id="261" r:id="rId12"/>
-    <p:sldId id="270" r:id="rId13"/>
-    <p:sldId id="266" r:id="rId14"/>
-    <p:sldId id="267" r:id="rId15"/>
-    <p:sldId id="274" r:id="rId16"/>
-    <p:sldId id="268" r:id="rId17"/>
-    <p:sldId id="271" r:id="rId18"/>
-    <p:sldId id="273" r:id="rId19"/>
-    <p:sldId id="275" r:id="rId20"/>
-    <p:sldId id="278" r:id="rId21"/>
-    <p:sldId id="279" r:id="rId22"/>
-    <p:sldId id="277" r:id="rId23"/>
-    <p:sldId id="262" r:id="rId24"/>
-    <p:sldId id="272" r:id="rId25"/>
+    <p:sldId id="280" r:id="rId13"/>
+    <p:sldId id="270" r:id="rId14"/>
+    <p:sldId id="278" r:id="rId15"/>
+    <p:sldId id="282" r:id="rId16"/>
+    <p:sldId id="266" r:id="rId17"/>
+    <p:sldId id="267" r:id="rId18"/>
+    <p:sldId id="274" r:id="rId19"/>
+    <p:sldId id="268" r:id="rId20"/>
+    <p:sldId id="271" r:id="rId21"/>
+    <p:sldId id="273" r:id="rId22"/>
+    <p:sldId id="275" r:id="rId23"/>
+    <p:sldId id="279" r:id="rId24"/>
+    <p:sldId id="277" r:id="rId25"/>
+    <p:sldId id="262" r:id="rId26"/>
+    <p:sldId id="272" r:id="rId27"/>
   </p:sldIdLst>
   <p:sldSz cx="9144000" cy="5143500" type="screen16x9"/>
   <p:notesSz cx="6858000" cy="9144000"/>
@@ -319,7 +321,7 @@
             <a:fld id="{C8A432C8-69A7-458B-9684-2BFA64B31948}" type="datetime2">
               <a:rPr lang="en-US" smtClean="0"/>
               <a:pPr/>
-              <a:t>Saturday, May 27, 2017</a:t>
+              <a:t>Tuesday, June 06, 2017</a:t>
             </a:fld>
             <a:endParaRPr lang="en-US"/>
           </a:p>
@@ -522,7 +524,7 @@
             <a:fld id="{8CC057FC-95B6-4D89-AFDA-ABA33EE921E5}" type="datetime2">
               <a:rPr lang="en-US" smtClean="0"/>
               <a:pPr/>
-              <a:t>Saturday, May 27, 2017</a:t>
+              <a:t>Tuesday, June 06, 2017</a:t>
             </a:fld>
             <a:endParaRPr lang="en-US"/>
           </a:p>
@@ -700,7 +702,7 @@
             <a:fld id="{EC4549AC-EB31-477F-92A9-B1988E232878}" type="datetime2">
               <a:rPr lang="en-US" smtClean="0"/>
               <a:pPr/>
-              <a:t>Saturday, May 27, 2017</a:t>
+              <a:t>Tuesday, June 06, 2017</a:t>
             </a:fld>
             <a:endParaRPr lang="en-US"/>
           </a:p>
@@ -868,7 +870,7 @@
             <a:fld id="{6396A3A3-94A6-4E5B-AF39-173ACA3E61CC}" type="datetime2">
               <a:rPr lang="en-US" smtClean="0"/>
               <a:pPr/>
-              <a:t>Saturday, May 27, 2017</a:t>
+              <a:t>Tuesday, June 06, 2017</a:t>
             </a:fld>
             <a:endParaRPr lang="en-US"/>
           </a:p>
@@ -1119,7 +1121,7 @@
             <a:fld id="{9933D019-A32C-4EAD-B8E6-DBDA699692FD}" type="datetime2">
               <a:rPr lang="en-US" smtClean="0"/>
               <a:pPr/>
-              <a:t>Saturday, May 27, 2017</a:t>
+              <a:t>Tuesday, June 06, 2017</a:t>
             </a:fld>
             <a:endParaRPr lang="en-US"/>
           </a:p>
@@ -1440,7 +1442,7 @@
             <a:fld id="{CCEBA98F-560C-4997-81C4-81D4D9187EAB}" type="datetime2">
               <a:rPr lang="en-US" smtClean="0"/>
               <a:pPr/>
-              <a:t>Saturday, May 27, 2017</a:t>
+              <a:t>Tuesday, June 06, 2017</a:t>
             </a:fld>
             <a:endParaRPr lang="en-US"/>
           </a:p>
@@ -1909,7 +1911,7 @@
             <a:fld id="{150972B2-CA5C-437D-87D0-8081271A9E4B}" type="datetime2">
               <a:rPr lang="en-US" smtClean="0"/>
               <a:pPr/>
-              <a:t>Saturday, May 27, 2017</a:t>
+              <a:t>Tuesday, June 06, 2017</a:t>
             </a:fld>
             <a:endParaRPr lang="en-US"/>
           </a:p>
@@ -2060,7 +2062,7 @@
             <a:fld id="{79CD4847-11EF-4466-A8AD-85CDB7B49118}" type="datetime2">
               <a:rPr lang="en-US" smtClean="0"/>
               <a:pPr/>
-              <a:t>Saturday, May 27, 2017</a:t>
+              <a:t>Tuesday, June 06, 2017</a:t>
             </a:fld>
             <a:endParaRPr lang="en-US"/>
           </a:p>
@@ -2153,7 +2155,7 @@
             <a:fld id="{F168457A-3AB9-4880-8A0C-9F8524491207}" type="datetime2">
               <a:rPr lang="en-US" smtClean="0"/>
               <a:pPr/>
-              <a:t>Saturday, May 27, 2017</a:t>
+              <a:t>Tuesday, June 06, 2017</a:t>
             </a:fld>
             <a:endParaRPr lang="en-US"/>
           </a:p>
@@ -2430,7 +2432,7 @@
             <a:fld id="{3FE976D3-5B7F-4300-ABED-C91F1B2AE209}" type="datetime2">
               <a:rPr lang="en-US" smtClean="0"/>
               <a:pPr/>
-              <a:t>Saturday, May 27, 2017</a:t>
+              <a:t>Tuesday, June 06, 2017</a:t>
             </a:fld>
             <a:endParaRPr lang="en-US"/>
           </a:p>
@@ -2738,7 +2740,7 @@
             <a:fld id="{EBDC1E59-17DD-41CE-97CA-624A472382D4}" type="datetime2">
               <a:rPr lang="en-US" smtClean="0"/>
               <a:pPr/>
-              <a:t>Saturday, May 27, 2017</a:t>
+              <a:t>Tuesday, June 06, 2017</a:t>
             </a:fld>
             <a:endParaRPr lang="en-US"/>
           </a:p>
@@ -3039,7 +3041,7 @@
             <a:fld id="{A80CB818-7379-467D-8E76-EF9D9074A26C}" type="datetime2">
               <a:rPr lang="en-US" smtClean="0"/>
               <a:pPr/>
-              <a:t>Saturday, May 27, 2017</a:t>
+              <a:t>Tuesday, June 06, 2017</a:t>
             </a:fld>
             <a:endParaRPr lang="en-US" dirty="0"/>
           </a:p>
@@ -3596,14 +3598,24 @@
             </a:r>
           </a:p>
           <a:p>
-            <a:pPr lvl="2">
+            <a:pPr lvl="1" indent="-457200">
               <a:buNone/>
             </a:pPr>
             <a:r>
               <a:rPr lang="pt-BR" i="1" dirty="0" smtClean="0"/>
-              <a:t> perl hello_world.pl</a:t>
-            </a:r>
-            <a:endParaRPr lang="en-US" i="1" dirty="0"/>
+              <a:t> </a:t>
+            </a:r>
+            <a:r>
+              <a:rPr lang="pt-BR" i="1" dirty="0" smtClean="0">
+                <a:latin typeface="Courier New" pitchFamily="49" charset="0"/>
+                <a:cs typeface="Courier New" pitchFamily="49" charset="0"/>
+              </a:rPr>
+              <a:t>perl hello_world.pl</a:t>
+            </a:r>
+            <a:endParaRPr lang="en-US" i="1" dirty="0">
+              <a:latin typeface="Courier New" pitchFamily="49" charset="0"/>
+              <a:cs typeface="Courier New" pitchFamily="49" charset="0"/>
+            </a:endParaRPr>
           </a:p>
         </p:txBody>
       </p:sp>
@@ -3624,7 +3636,7 @@
         </p:blipFill>
         <p:spPr bwMode="auto">
           <a:xfrm>
-            <a:off x="3153628" y="2046849"/>
+            <a:off x="2998883" y="2715065"/>
             <a:ext cx="5990372" cy="2968283"/>
           </a:xfrm>
           <a:prstGeom prst="rect">
@@ -3719,7 +3731,10 @@
           <a:p>
             <a:pPr lvl="1"/>
             <a:r>
-              <a:rPr lang="pt-BR" i="1" dirty="0" smtClean="0"/>
+              <a:rPr lang="pt-BR" i="1" dirty="0" smtClean="0">
+                <a:latin typeface="Courier New" pitchFamily="49" charset="0"/>
+                <a:cs typeface="Courier New" pitchFamily="49" charset="0"/>
+              </a:rPr>
               <a:t>perl  SCRIPT.pl</a:t>
             </a:r>
           </a:p>
@@ -3735,17 +3750,148 @@
           <a:p>
             <a:pPr lvl="1"/>
             <a:r>
-              <a:rPr lang="pt-BR" i="1" dirty="0" smtClean="0"/>
+              <a:rPr lang="pt-BR" i="1" dirty="0" smtClean="0">
+                <a:latin typeface="Courier New" pitchFamily="49" charset="0"/>
+                <a:cs typeface="Courier New" pitchFamily="49" charset="0"/>
+              </a:rPr>
               <a:t>chmod  755 SCRIPT.pl</a:t>
             </a:r>
           </a:p>
           <a:p>
             <a:pPr lvl="1"/>
             <a:r>
-              <a:rPr lang="pt-BR" i="1" dirty="0" smtClean="0"/>
+              <a:rPr lang="pt-BR" i="1" dirty="0" smtClean="0">
+                <a:latin typeface="Courier New" pitchFamily="49" charset="0"/>
+                <a:cs typeface="Courier New" pitchFamily="49" charset="0"/>
+              </a:rPr>
               <a:t>./SCRIPT.pl</a:t>
             </a:r>
-            <a:endParaRPr lang="en-US" i="1" dirty="0"/>
+            <a:endParaRPr lang="en-US" i="1" dirty="0">
+              <a:latin typeface="Courier New" pitchFamily="49" charset="0"/>
+              <a:cs typeface="Courier New" pitchFamily="49" charset="0"/>
+            </a:endParaRPr>
+          </a:p>
+        </p:txBody>
+      </p:sp>
+    </p:spTree>
+  </p:cSld>
+  <p:clrMapOvr>
+    <a:masterClrMapping/>
+  </p:clrMapOvr>
+  <p:timing>
+    <p:tnLst>
+      <p:par>
+        <p:cTn id="1" dur="indefinite" restart="never" nodeType="tmRoot"/>
+      </p:par>
+    </p:tnLst>
+  </p:timing>
+</p:sld>
+</file>
+
+<file path=ppt/slides/slide12.xml><?xml version="1.0" encoding="utf-8"?>
+<p:sld xmlns:a="http://schemas.openxmlformats.org/drawingml/2006/main" xmlns:r="http://schemas.openxmlformats.org/officeDocument/2006/relationships" xmlns:p="http://schemas.openxmlformats.org/presentationml/2006/main">
+  <p:cSld>
+    <p:spTree>
+      <p:nvGrpSpPr>
+        <p:cNvPr id="1" name=""/>
+        <p:cNvGrpSpPr/>
+        <p:nvPr/>
+      </p:nvGrpSpPr>
+      <p:grpSpPr>
+        <a:xfrm>
+          <a:off x="0" y="0"/>
+          <a:ext cx="0" cy="0"/>
+          <a:chOff x="0" y="0"/>
+          <a:chExt cx="0" cy="0"/>
+        </a:xfrm>
+      </p:grpSpPr>
+      <p:sp>
+        <p:nvSpPr>
+          <p:cNvPr id="2" name="Title 1"/>
+          <p:cNvSpPr>
+            <a:spLocks noGrp="1"/>
+          </p:cNvSpPr>
+          <p:nvPr>
+            <p:ph type="title"/>
+          </p:nvPr>
+        </p:nvSpPr>
+        <p:spPr/>
+        <p:txBody>
+          <a:bodyPr/>
+          <a:lstStyle/>
+          <a:p>
+            <a:r>
+              <a:rPr lang="pt-BR" dirty="0" smtClean="0"/>
+              <a:t>Run on Linux </a:t>
+            </a:r>
+            <a:endParaRPr lang="en-US" dirty="0"/>
+          </a:p>
+        </p:txBody>
+      </p:sp>
+      <p:sp>
+        <p:nvSpPr>
+          <p:cNvPr id="3" name="Content Placeholder 2"/>
+          <p:cNvSpPr>
+            <a:spLocks noGrp="1"/>
+          </p:cNvSpPr>
+          <p:nvPr>
+            <p:ph idx="1"/>
+          </p:nvPr>
+        </p:nvSpPr>
+        <p:spPr/>
+        <p:txBody>
+          <a:bodyPr>
+            <a:normAutofit/>
+          </a:bodyPr>
+          <a:lstStyle/>
+          <a:p>
+            <a:r>
+              <a:rPr lang="pt-BR" dirty="0" smtClean="0"/>
+              <a:t>Regardless of shebangline and execution permission</a:t>
+            </a:r>
+          </a:p>
+          <a:p>
+            <a:pPr lvl="1"/>
+            <a:r>
+              <a:rPr lang="pt-BR" i="1" dirty="0" smtClean="0">
+                <a:latin typeface="Courier New" pitchFamily="49" charset="0"/>
+                <a:cs typeface="Courier New" pitchFamily="49" charset="0"/>
+              </a:rPr>
+              <a:t>perl  SCRIPT.pl</a:t>
+            </a:r>
+          </a:p>
+          <a:p>
+            <a:endParaRPr lang="pt-BR" i="1" dirty="0" smtClean="0"/>
+          </a:p>
+          <a:p>
+            <a:r>
+              <a:rPr lang="pt-BR" dirty="0" smtClean="0"/>
+              <a:t>With Shebang line and execution permission</a:t>
+            </a:r>
+          </a:p>
+          <a:p>
+            <a:pPr lvl="1"/>
+            <a:r>
+              <a:rPr lang="pt-BR" i="1" dirty="0" smtClean="0">
+                <a:latin typeface="Courier New" pitchFamily="49" charset="0"/>
+                <a:cs typeface="Courier New" pitchFamily="49" charset="0"/>
+              </a:rPr>
+              <a:t>chmod  755 SCRIPT.pl</a:t>
+            </a:r>
+          </a:p>
+          <a:p>
+            <a:pPr lvl="1"/>
+            <a:r>
+              <a:rPr lang="pt-BR" i="1" dirty="0" smtClean="0">
+                <a:latin typeface="Courier New" pitchFamily="49" charset="0"/>
+                <a:cs typeface="Courier New" pitchFamily="49" charset="0"/>
+              </a:rPr>
+              <a:t>./SCRIPT.pl</a:t>
+            </a:r>
+            <a:endParaRPr lang="en-US" i="1" dirty="0">
+              <a:latin typeface="Courier New" pitchFamily="49" charset="0"/>
+              <a:cs typeface="Courier New" pitchFamily="49" charset="0"/>
+            </a:endParaRPr>
           </a:p>
         </p:txBody>
       </p:sp>
@@ -3803,7 +3949,7 @@
         </p:nvSpPr>
         <p:spPr>
           <a:xfrm>
-            <a:off x="1896794" y="2853397"/>
+            <a:off x="2065610" y="2853397"/>
             <a:ext cx="480646" cy="429064"/>
           </a:xfrm>
           <a:prstGeom prst="ellipse">
@@ -3922,10 +4068,17 @@
   <p:clrMapOvr>
     <a:masterClrMapping/>
   </p:clrMapOvr>
+  <p:timing>
+    <p:tnLst>
+      <p:par>
+        <p:cTn id="1" dur="indefinite" restart="never" nodeType="tmRoot"/>
+      </p:par>
+    </p:tnLst>
+  </p:timing>
 </p:sld>
 </file>
 
-<file path=ppt/slides/slide12.xml><?xml version="1.0" encoding="utf-8"?>
+<file path=ppt/slides/slide13.xml><?xml version="1.0" encoding="utf-8"?>
 <p:sld xmlns:a="http://schemas.openxmlformats.org/drawingml/2006/main" xmlns:r="http://schemas.openxmlformats.org/officeDocument/2006/relationships" xmlns:p="http://schemas.openxmlformats.org/presentationml/2006/main">
   <p:cSld>
     <p:spTree>
@@ -3998,7 +4151,256 @@
 </p:sld>
 </file>
 
-<file path=ppt/slides/slide13.xml><?xml version="1.0" encoding="utf-8"?>
+<file path=ppt/slides/slide14.xml><?xml version="1.0" encoding="utf-8"?>
+<p:sld xmlns:a="http://schemas.openxmlformats.org/drawingml/2006/main" xmlns:r="http://schemas.openxmlformats.org/officeDocument/2006/relationships" xmlns:p="http://schemas.openxmlformats.org/presentationml/2006/main">
+  <p:cSld>
+    <p:spTree>
+      <p:nvGrpSpPr>
+        <p:cNvPr id="1" name=""/>
+        <p:cNvGrpSpPr/>
+        <p:nvPr/>
+      </p:nvGrpSpPr>
+      <p:grpSpPr>
+        <a:xfrm>
+          <a:off x="0" y="0"/>
+          <a:ext cx="0" cy="0"/>
+          <a:chOff x="0" y="0"/>
+          <a:chExt cx="0" cy="0"/>
+        </a:xfrm>
+      </p:grpSpPr>
+      <p:sp>
+        <p:nvSpPr>
+          <p:cNvPr id="2" name="Title 1"/>
+          <p:cNvSpPr>
+            <a:spLocks noGrp="1"/>
+          </p:cNvSpPr>
+          <p:nvPr>
+            <p:ph type="title"/>
+          </p:nvPr>
+        </p:nvSpPr>
+        <p:spPr/>
+        <p:txBody>
+          <a:bodyPr/>
+          <a:lstStyle/>
+          <a:p>
+            <a:r>
+              <a:rPr lang="en-US" dirty="0" smtClean="0"/>
+              <a:t>Error messages</a:t>
+            </a:r>
+            <a:endParaRPr lang="en-US" dirty="0"/>
+          </a:p>
+        </p:txBody>
+      </p:sp>
+      <p:sp>
+        <p:nvSpPr>
+          <p:cNvPr id="3" name="Content Placeholder 2"/>
+          <p:cNvSpPr>
+            <a:spLocks noGrp="1"/>
+          </p:cNvSpPr>
+          <p:nvPr>
+            <p:ph idx="1"/>
+          </p:nvPr>
+        </p:nvSpPr>
+        <p:spPr/>
+        <p:txBody>
+          <a:bodyPr/>
+          <a:lstStyle/>
+          <a:p>
+            <a:r>
+              <a:rPr lang="en-IN" dirty="0" smtClean="0"/>
+              <a:t>Run the script to see if it works</a:t>
+            </a:r>
+          </a:p>
+          <a:p>
+            <a:r>
+              <a:rPr lang="en-IN" dirty="0" smtClean="0"/>
+              <a:t>Typographical errors are common</a:t>
+            </a:r>
+          </a:p>
+          <a:p>
+            <a:pPr lvl="1"/>
+            <a:r>
+              <a:rPr lang="en-IN" dirty="0" smtClean="0"/>
+              <a:t>Missing semi-colons</a:t>
+            </a:r>
+          </a:p>
+          <a:p>
+            <a:pPr lvl="1"/>
+            <a:r>
+              <a:rPr lang="en-IN" dirty="0" smtClean="0"/>
+              <a:t>Closing parenthesis or curly braces</a:t>
+            </a:r>
+          </a:p>
+          <a:p>
+            <a:r>
+              <a:rPr lang="en-IN" dirty="0" smtClean="0"/>
+              <a:t>Perl errors include line numbers</a:t>
+            </a:r>
+          </a:p>
+          <a:p>
+            <a:pPr lvl="1"/>
+            <a:r>
+              <a:rPr lang="en-IN" dirty="0" smtClean="0"/>
+              <a:t>Check before and after that line</a:t>
+            </a:r>
+          </a:p>
+          <a:p>
+            <a:r>
+              <a:rPr lang="en-IN" dirty="0" smtClean="0"/>
+              <a:t>Can learn more with practice</a:t>
+            </a:r>
+          </a:p>
+          <a:p>
+            <a:r>
+              <a:rPr lang="en-IN" dirty="0" smtClean="0"/>
+              <a:t> GIGO : logical errors needs careful testing results</a:t>
+            </a:r>
+          </a:p>
+          <a:p>
+            <a:pPr lvl="1"/>
+            <a:endParaRPr lang="en-US" dirty="0"/>
+          </a:p>
+        </p:txBody>
+      </p:sp>
+    </p:spTree>
+  </p:cSld>
+  <p:clrMapOvr>
+    <a:masterClrMapping/>
+  </p:clrMapOvr>
+</p:sld>
+</file>
+
+<file path=ppt/slides/slide15.xml><?xml version="1.0" encoding="utf-8"?>
+<p:sld xmlns:a="http://schemas.openxmlformats.org/drawingml/2006/main" xmlns:r="http://schemas.openxmlformats.org/officeDocument/2006/relationships" xmlns:p="http://schemas.openxmlformats.org/presentationml/2006/main">
+  <p:cSld>
+    <p:spTree>
+      <p:nvGrpSpPr>
+        <p:cNvPr id="1" name=""/>
+        <p:cNvGrpSpPr/>
+        <p:nvPr/>
+      </p:nvGrpSpPr>
+      <p:grpSpPr>
+        <a:xfrm>
+          <a:off x="0" y="0"/>
+          <a:ext cx="0" cy="0"/>
+          <a:chOff x="0" y="0"/>
+          <a:chExt cx="0" cy="0"/>
+        </a:xfrm>
+      </p:grpSpPr>
+      <p:sp>
+        <p:nvSpPr>
+          <p:cNvPr id="2" name="Title 1"/>
+          <p:cNvSpPr>
+            <a:spLocks noGrp="1"/>
+          </p:cNvSpPr>
+          <p:nvPr>
+            <p:ph type="title"/>
+          </p:nvPr>
+        </p:nvSpPr>
+        <p:spPr/>
+        <p:txBody>
+          <a:bodyPr/>
+          <a:lstStyle/>
+          <a:p>
+            <a:r>
+              <a:rPr lang="pt-BR" dirty="0" smtClean="0"/>
+              <a:t>Enable warnings</a:t>
+            </a:r>
+            <a:endParaRPr lang="en-US" dirty="0"/>
+          </a:p>
+        </p:txBody>
+      </p:sp>
+      <p:sp>
+        <p:nvSpPr>
+          <p:cNvPr id="3" name="Content Placeholder 2"/>
+          <p:cNvSpPr>
+            <a:spLocks noGrp="1"/>
+          </p:cNvSpPr>
+          <p:nvPr>
+            <p:ph idx="1"/>
+          </p:nvPr>
+        </p:nvSpPr>
+        <p:spPr/>
+        <p:txBody>
+          <a:bodyPr>
+            <a:normAutofit lnSpcReduction="10000"/>
+          </a:bodyPr>
+          <a:lstStyle/>
+          <a:p>
+            <a:endParaRPr lang="pt-BR" dirty="0" smtClean="0"/>
+          </a:p>
+          <a:p>
+            <a:endParaRPr lang="pt-BR" dirty="0" smtClean="0"/>
+          </a:p>
+          <a:p>
+            <a:endParaRPr lang="pt-BR" dirty="0" smtClean="0"/>
+          </a:p>
+          <a:p>
+            <a:endParaRPr lang="pt-BR" dirty="0" smtClean="0"/>
+          </a:p>
+          <a:p>
+            <a:endParaRPr lang="pt-BR" dirty="0" smtClean="0"/>
+          </a:p>
+          <a:p>
+            <a:r>
+              <a:rPr lang="en-US" dirty="0" smtClean="0"/>
+              <a:t>Helps to </a:t>
+            </a:r>
+            <a:r>
+              <a:rPr lang="en-US" dirty="0" smtClean="0"/>
+              <a:t>avoid a number of common programming mistakes</a:t>
+            </a:r>
+          </a:p>
+          <a:p>
+            <a:r>
+              <a:rPr lang="en-US" dirty="0" smtClean="0"/>
+              <a:t> lots of run-time warnings that in many cases indicate some kind of a problem or a potential problem</a:t>
+            </a:r>
+            <a:endParaRPr lang="en-US" dirty="0"/>
+          </a:p>
+        </p:txBody>
+      </p:sp>
+      <p:pic>
+        <p:nvPicPr>
+          <p:cNvPr id="1026" name="Picture 2"/>
+          <p:cNvPicPr>
+            <a:picLocks noChangeAspect="1" noChangeArrowheads="1"/>
+          </p:cNvPicPr>
+          <p:nvPr/>
+        </p:nvPicPr>
+        <p:blipFill>
+          <a:blip r:embed="rId2" cstate="print"/>
+          <a:srcRect/>
+          <a:stretch>
+            <a:fillRect/>
+          </a:stretch>
+        </p:blipFill>
+        <p:spPr bwMode="auto">
+          <a:xfrm>
+            <a:off x="793359" y="1272982"/>
+            <a:ext cx="5981700" cy="1809750"/>
+          </a:xfrm>
+          <a:prstGeom prst="rect">
+            <a:avLst/>
+          </a:prstGeom>
+          <a:noFill/>
+          <a:ln w="9525">
+            <a:noFill/>
+            <a:miter lim="800000"/>
+            <a:headEnd/>
+            <a:tailEnd/>
+          </a:ln>
+        </p:spPr>
+      </p:pic>
+    </p:spTree>
+  </p:cSld>
+  <p:clrMapOvr>
+    <a:masterClrMapping/>
+  </p:clrMapOvr>
+</p:sld>
+</file>
+
+<file path=ppt/slides/slide16.xml><?xml version="1.0" encoding="utf-8"?>
 <p:sld xmlns:a="http://schemas.openxmlformats.org/drawingml/2006/main" xmlns:r="http://schemas.openxmlformats.org/officeDocument/2006/relationships" xmlns:p="http://schemas.openxmlformats.org/presentationml/2006/main">
   <p:cSld>
     <p:spTree>
@@ -4311,7 +4713,7 @@
 </p:sld>
 </file>
 
-<file path=ppt/slides/slide14.xml><?xml version="1.0" encoding="utf-8"?>
+<file path=ppt/slides/slide17.xml><?xml version="1.0" encoding="utf-8"?>
 <p:sld xmlns:a="http://schemas.openxmlformats.org/drawingml/2006/main" xmlns:r="http://schemas.openxmlformats.org/officeDocument/2006/relationships" xmlns:p="http://schemas.openxmlformats.org/presentationml/2006/main">
   <p:cSld>
     <p:spTree>
@@ -4620,6 +5022,52 @@
           </a:ln>
         </p:spPr>
       </p:pic>
+      <p:sp>
+        <p:nvSpPr>
+          <p:cNvPr id="6" name="TextBox 5"/>
+          <p:cNvSpPr txBox="1"/>
+          <p:nvPr/>
+        </p:nvSpPr>
+        <p:spPr>
+          <a:xfrm>
+            <a:off x="1167618" y="4593102"/>
+            <a:ext cx="6492240" cy="369332"/>
+          </a:xfrm>
+          <a:prstGeom prst="rect">
+            <a:avLst/>
+          </a:prstGeom>
+          <a:noFill/>
+        </p:spPr>
+        <p:txBody>
+          <a:bodyPr wrap="square" rtlCol="0">
+            <a:spAutoFit/>
+          </a:bodyPr>
+          <a:lstStyle/>
+          <a:p>
+            <a:r>
+              <a:rPr lang="pt-BR" smtClean="0"/>
+              <a:t>(Cross-platform </a:t>
+            </a:r>
+            <a:r>
+              <a:rPr lang="pt-BR" dirty="0" smtClean="0"/>
+              <a:t>issues : unix to windows and </a:t>
+            </a:r>
+            <a:r>
+              <a:rPr lang="pt-BR" i="1" dirty="0" smtClean="0"/>
+              <a:t>vice </a:t>
+            </a:r>
+            <a:r>
+              <a:rPr lang="pt-BR" i="1" smtClean="0"/>
+              <a:t>versa</a:t>
+            </a:r>
+            <a:r>
+              <a:rPr lang="pt-BR" smtClean="0"/>
+              <a:t> )</a:t>
+            </a:r>
+            <a:endParaRPr lang="en-US" dirty="0"/>
+          </a:p>
+        </p:txBody>
+      </p:sp>
     </p:spTree>
   </p:cSld>
   <p:clrMapOvr>
@@ -4628,7 +5076,7 @@
 </p:sld>
 </file>
 
-<file path=ppt/slides/slide15.xml><?xml version="1.0" encoding="utf-8"?>
+<file path=ppt/slides/slide18.xml><?xml version="1.0" encoding="utf-8"?>
 <p:sld xmlns:a="http://schemas.openxmlformats.org/drawingml/2006/main" xmlns:r="http://schemas.openxmlformats.org/officeDocument/2006/relationships" xmlns:p="http://schemas.openxmlformats.org/presentationml/2006/main">
   <p:cSld>
     <p:spTree>
@@ -4978,7 +5426,7 @@
 </p:sld>
 </file>
 
-<file path=ppt/slides/slide16.xml><?xml version="1.0" encoding="utf-8"?>
+<file path=ppt/slides/slide19.xml><?xml version="1.0" encoding="utf-8"?>
 <p:sld xmlns:a="http://schemas.openxmlformats.org/drawingml/2006/main" xmlns:r="http://schemas.openxmlformats.org/officeDocument/2006/relationships" xmlns:p="http://schemas.openxmlformats.org/presentationml/2006/main">
   <p:cSld>
     <p:spTree>
@@ -5035,7 +5483,7 @@
         </p:blipFill>
         <p:spPr bwMode="auto">
           <a:xfrm>
-            <a:off x="1749012" y="1252024"/>
+            <a:off x="370379" y="1259058"/>
             <a:ext cx="4982380" cy="3533073"/>
           </a:xfrm>
           <a:prstGeom prst="rect">
@@ -5050,6 +5498,42 @@
           </a:ln>
         </p:spPr>
       </p:pic>
+      <p:sp>
+        <p:nvSpPr>
+          <p:cNvPr id="4" name="TextBox 3"/>
+          <p:cNvSpPr txBox="1"/>
+          <p:nvPr/>
+        </p:nvSpPr>
+        <p:spPr>
+          <a:xfrm>
+            <a:off x="5380893" y="1856935"/>
+            <a:ext cx="3657600" cy="369332"/>
+          </a:xfrm>
+          <a:prstGeom prst="rect">
+            <a:avLst/>
+          </a:prstGeom>
+          <a:noFill/>
+        </p:spPr>
+        <p:txBody>
+          <a:bodyPr wrap="square" rtlCol="0">
+            <a:spAutoFit/>
+          </a:bodyPr>
+          <a:lstStyle/>
+          <a:p>
+            <a:r>
+              <a:rPr lang="pt-BR" dirty="0" smtClean="0">
+                <a:latin typeface="Courier New" pitchFamily="49" charset="0"/>
+                <a:cs typeface="Courier New" pitchFamily="49" charset="0"/>
+              </a:rPr>
+              <a:t>perl –e ‘ CODE GOES HERE’</a:t>
+            </a:r>
+            <a:endParaRPr lang="en-US" dirty="0">
+              <a:latin typeface="Courier New" pitchFamily="49" charset="0"/>
+              <a:cs typeface="Courier New" pitchFamily="49" charset="0"/>
+            </a:endParaRPr>
+          </a:p>
+        </p:txBody>
+      </p:sp>
     </p:spTree>
   </p:cSld>
   <p:clrMapOvr>
@@ -5058,7 +5542,7 @@
 </p:sld>
 </file>
 
-<file path=ppt/slides/slide17.xml><?xml version="1.0" encoding="utf-8"?>
+<file path=ppt/slides/slide2.xml><?xml version="1.0" encoding="utf-8"?>
 <p:sld xmlns:a="http://schemas.openxmlformats.org/drawingml/2006/main" xmlns:r="http://schemas.openxmlformats.org/officeDocument/2006/relationships" xmlns:p="http://schemas.openxmlformats.org/presentationml/2006/main">
   <p:cSld>
     <p:spTree>
@@ -5092,7 +5576,148 @@
           <a:p>
             <a:r>
               <a:rPr lang="pt-BR" dirty="0" smtClean="0"/>
-              <a:t>“Hello world”- One liner</a:t>
+              <a:t>Learning objectives</a:t>
+            </a:r>
+            <a:endParaRPr lang="en-US" dirty="0"/>
+          </a:p>
+        </p:txBody>
+      </p:sp>
+      <p:sp>
+        <p:nvSpPr>
+          <p:cNvPr id="3" name="Content Placeholder 2"/>
+          <p:cNvSpPr>
+            <a:spLocks noGrp="1"/>
+          </p:cNvSpPr>
+          <p:nvPr>
+            <p:ph idx="1"/>
+          </p:nvPr>
+        </p:nvSpPr>
+        <p:spPr/>
+        <p:txBody>
+          <a:bodyPr/>
+          <a:lstStyle/>
+          <a:p>
+            <a:r>
+              <a:rPr lang="pt-BR" dirty="0" smtClean="0"/>
+              <a:t>Setup your computer for Perl programming</a:t>
+            </a:r>
+          </a:p>
+          <a:p>
+            <a:pPr lvl="1"/>
+            <a:r>
+              <a:rPr lang="pt-BR" dirty="0" smtClean="0"/>
+              <a:t>Windows</a:t>
+            </a:r>
+          </a:p>
+          <a:p>
+            <a:pPr lvl="1"/>
+            <a:r>
+              <a:rPr lang="pt-BR" dirty="0" smtClean="0"/>
+              <a:t>Unix</a:t>
+            </a:r>
+          </a:p>
+          <a:p>
+            <a:pPr lvl="1"/>
+            <a:r>
+              <a:rPr lang="pt-BR" dirty="0" smtClean="0"/>
+              <a:t>Mac</a:t>
+            </a:r>
+          </a:p>
+          <a:p>
+            <a:r>
+              <a:rPr lang="pt-BR" dirty="0" smtClean="0"/>
+              <a:t>Write your first Perl code.</a:t>
+            </a:r>
+          </a:p>
+          <a:p>
+            <a:pPr lvl="1"/>
+            <a:r>
+              <a:rPr lang="pt-BR" dirty="0" smtClean="0"/>
+              <a:t>Say hello to Perl</a:t>
+            </a:r>
+          </a:p>
+          <a:p>
+            <a:r>
+              <a:rPr lang="pt-BR" dirty="0" smtClean="0"/>
+              <a:t>Execute the Perl script</a:t>
+            </a:r>
+          </a:p>
+          <a:p>
+            <a:pPr lvl="1"/>
+            <a:r>
+              <a:rPr lang="pt-BR" dirty="0" smtClean="0"/>
+              <a:t>Windows</a:t>
+            </a:r>
+          </a:p>
+          <a:p>
+            <a:pPr lvl="1"/>
+            <a:r>
+              <a:rPr lang="pt-BR" dirty="0" smtClean="0"/>
+              <a:t>Linux</a:t>
+            </a:r>
+          </a:p>
+          <a:p>
+            <a:endParaRPr lang="en-US" dirty="0"/>
+          </a:p>
+        </p:txBody>
+      </p:sp>
+    </p:spTree>
+  </p:cSld>
+  <p:clrMapOvr>
+    <a:masterClrMapping/>
+  </p:clrMapOvr>
+  <p:timing>
+    <p:tnLst>
+      <p:par>
+        <p:cTn id="1" dur="indefinite" restart="never" nodeType="tmRoot"/>
+      </p:par>
+    </p:tnLst>
+  </p:timing>
+</p:sld>
+</file>
+
+<file path=ppt/slides/slide20.xml><?xml version="1.0" encoding="utf-8"?>
+<p:sld xmlns:a="http://schemas.openxmlformats.org/drawingml/2006/main" xmlns:r="http://schemas.openxmlformats.org/officeDocument/2006/relationships" xmlns:p="http://schemas.openxmlformats.org/presentationml/2006/main">
+  <p:cSld>
+    <p:spTree>
+      <p:nvGrpSpPr>
+        <p:cNvPr id="1" name=""/>
+        <p:cNvGrpSpPr/>
+        <p:nvPr/>
+      </p:nvGrpSpPr>
+      <p:grpSpPr>
+        <a:xfrm>
+          <a:off x="0" y="0"/>
+          <a:ext cx="0" cy="0"/>
+          <a:chOff x="0" y="0"/>
+          <a:chExt cx="0" cy="0"/>
+        </a:xfrm>
+      </p:grpSpPr>
+      <p:sp>
+        <p:nvSpPr>
+          <p:cNvPr id="2" name="Title 1"/>
+          <p:cNvSpPr>
+            <a:spLocks noGrp="1"/>
+          </p:cNvSpPr>
+          <p:nvPr>
+            <p:ph type="title"/>
+          </p:nvPr>
+        </p:nvSpPr>
+        <p:spPr/>
+        <p:txBody>
+          <a:bodyPr/>
+          <a:lstStyle/>
+          <a:p>
+            <a:r>
+              <a:rPr lang="pt-BR" dirty="0" smtClean="0">
+                <a:latin typeface="Courier New" pitchFamily="49" charset="0"/>
+                <a:cs typeface="Courier New" pitchFamily="49" charset="0"/>
+              </a:rPr>
+              <a:t>“Hello world”- </a:t>
+            </a:r>
+            <a:r>
+              <a:rPr lang="pt-BR" dirty="0" smtClean="0"/>
+              <a:t>One liner</a:t>
             </a:r>
             <a:endParaRPr lang="en-US" dirty="0"/>
           </a:p>
@@ -5122,14 +5747,36 @@
             <a:pPr lvl="1"/>
             <a:r>
               <a:rPr lang="pt-BR" dirty="0" smtClean="0"/>
-              <a:t>Windows : double quote  ( “”)</a:t>
+              <a:t>Windows : double quote  ( </a:t>
+            </a:r>
+            <a:r>
+              <a:rPr lang="pt-BR" dirty="0" smtClean="0">
+                <a:latin typeface="Courier New" pitchFamily="49" charset="0"/>
+                <a:cs typeface="Courier New" pitchFamily="49" charset="0"/>
+              </a:rPr>
+              <a:t>“”</a:t>
+            </a:r>
+            <a:r>
+              <a:rPr lang="pt-BR" dirty="0" smtClean="0"/>
+              <a:t>)</a:t>
             </a:r>
           </a:p>
           <a:p>
             <a:pPr lvl="1"/>
             <a:r>
               <a:rPr lang="pt-BR" dirty="0" smtClean="0"/>
-              <a:t>Unix : Single quote (‘’)</a:t>
+              <a:t>Unix : Single quote (</a:t>
+            </a:r>
+            <a:r>
+              <a:rPr lang="pt-BR" dirty="0" smtClean="0">
+                <a:latin typeface="Courier New" pitchFamily="49" charset="0"/>
+                <a:cs typeface="Courier New" pitchFamily="49" charset="0"/>
+              </a:rPr>
+              <a:t>‘’</a:t>
+            </a:r>
+            <a:r>
+              <a:rPr lang="pt-BR" dirty="0" smtClean="0"/>
+              <a:t>)</a:t>
             </a:r>
             <a:endParaRPr lang="en-US" dirty="0"/>
           </a:p>
@@ -5207,7 +5854,7 @@
 </p:sld>
 </file>
 
-<file path=ppt/slides/slide18.xml><?xml version="1.0" encoding="utf-8"?>
+<file path=ppt/slides/slide21.xml><?xml version="1.0" encoding="utf-8"?>
 <p:sld xmlns:a="http://schemas.openxmlformats.org/drawingml/2006/main" xmlns:r="http://schemas.openxmlformats.org/officeDocument/2006/relationships" xmlns:p="http://schemas.openxmlformats.org/presentationml/2006/main">
   <p:cSld>
     <p:spTree>
@@ -5370,7 +6017,7 @@
 </p:sld>
 </file>
 
-<file path=ppt/slides/slide19.xml><?xml version="1.0" encoding="utf-8"?>
+<file path=ppt/slides/slide22.xml><?xml version="1.0" encoding="utf-8"?>
 <p:sld xmlns:a="http://schemas.openxmlformats.org/drawingml/2006/main" xmlns:r="http://schemas.openxmlformats.org/officeDocument/2006/relationships" xmlns:p="http://schemas.openxmlformats.org/presentationml/2006/main">
   <p:cSld>
     <p:spTree>
@@ -5482,7 +6129,7 @@
 </p:sld>
 </file>
 
-<file path=ppt/slides/slide2.xml><?xml version="1.0" encoding="utf-8"?>
+<file path=ppt/slides/slide23.xml><?xml version="1.0" encoding="utf-8"?>
 <p:sld xmlns:a="http://schemas.openxmlformats.org/drawingml/2006/main" xmlns:r="http://schemas.openxmlformats.org/officeDocument/2006/relationships" xmlns:p="http://schemas.openxmlformats.org/presentationml/2006/main">
   <p:cSld>
     <p:spTree>
@@ -5515,263 +6162,6 @@
           <a:lstStyle/>
           <a:p>
             <a:r>
-              <a:rPr lang="pt-BR" dirty="0" smtClean="0"/>
-              <a:t>Learning objectives</a:t>
-            </a:r>
-            <a:endParaRPr lang="en-US" dirty="0"/>
-          </a:p>
-        </p:txBody>
-      </p:sp>
-      <p:sp>
-        <p:nvSpPr>
-          <p:cNvPr id="3" name="Content Placeholder 2"/>
-          <p:cNvSpPr>
-            <a:spLocks noGrp="1"/>
-          </p:cNvSpPr>
-          <p:nvPr>
-            <p:ph idx="1"/>
-          </p:nvPr>
-        </p:nvSpPr>
-        <p:spPr/>
-        <p:txBody>
-          <a:bodyPr/>
-          <a:lstStyle/>
-          <a:p>
-            <a:r>
-              <a:rPr lang="pt-BR" dirty="0" smtClean="0"/>
-              <a:t>Setup your computer for Perl programming</a:t>
-            </a:r>
-          </a:p>
-          <a:p>
-            <a:pPr lvl="1"/>
-            <a:r>
-              <a:rPr lang="pt-BR" dirty="0" smtClean="0"/>
-              <a:t>Windows</a:t>
-            </a:r>
-          </a:p>
-          <a:p>
-            <a:pPr lvl="1"/>
-            <a:r>
-              <a:rPr lang="pt-BR" dirty="0" smtClean="0"/>
-              <a:t>Unix</a:t>
-            </a:r>
-          </a:p>
-          <a:p>
-            <a:pPr lvl="1"/>
-            <a:r>
-              <a:rPr lang="pt-BR" dirty="0" smtClean="0"/>
-              <a:t>Mac</a:t>
-            </a:r>
-          </a:p>
-          <a:p>
-            <a:r>
-              <a:rPr lang="pt-BR" dirty="0" smtClean="0"/>
-              <a:t>Write your first Perl code.</a:t>
-            </a:r>
-          </a:p>
-          <a:p>
-            <a:pPr lvl="1"/>
-            <a:r>
-              <a:rPr lang="pt-BR" dirty="0" smtClean="0"/>
-              <a:t>Say hello to Perl</a:t>
-            </a:r>
-          </a:p>
-          <a:p>
-            <a:r>
-              <a:rPr lang="pt-BR" dirty="0" smtClean="0"/>
-              <a:t>Execute the Perl script</a:t>
-            </a:r>
-          </a:p>
-          <a:p>
-            <a:pPr lvl="1"/>
-            <a:r>
-              <a:rPr lang="pt-BR" dirty="0" smtClean="0"/>
-              <a:t>Windows</a:t>
-            </a:r>
-          </a:p>
-          <a:p>
-            <a:pPr lvl="1"/>
-            <a:r>
-              <a:rPr lang="pt-BR" dirty="0" smtClean="0"/>
-              <a:t>Linux</a:t>
-            </a:r>
-          </a:p>
-          <a:p>
-            <a:endParaRPr lang="en-US" dirty="0"/>
-          </a:p>
-        </p:txBody>
-      </p:sp>
-    </p:spTree>
-  </p:cSld>
-  <p:clrMapOvr>
-    <a:masterClrMapping/>
-  </p:clrMapOvr>
-  <p:timing>
-    <p:tnLst>
-      <p:par>
-        <p:cTn id="1" dur="indefinite" restart="never" nodeType="tmRoot"/>
-      </p:par>
-    </p:tnLst>
-  </p:timing>
-</p:sld>
-</file>
-
-<file path=ppt/slides/slide20.xml><?xml version="1.0" encoding="utf-8"?>
-<p:sld xmlns:a="http://schemas.openxmlformats.org/drawingml/2006/main" xmlns:r="http://schemas.openxmlformats.org/officeDocument/2006/relationships" xmlns:p="http://schemas.openxmlformats.org/presentationml/2006/main">
-  <p:cSld>
-    <p:spTree>
-      <p:nvGrpSpPr>
-        <p:cNvPr id="1" name=""/>
-        <p:cNvGrpSpPr/>
-        <p:nvPr/>
-      </p:nvGrpSpPr>
-      <p:grpSpPr>
-        <a:xfrm>
-          <a:off x="0" y="0"/>
-          <a:ext cx="0" cy="0"/>
-          <a:chOff x="0" y="0"/>
-          <a:chExt cx="0" cy="0"/>
-        </a:xfrm>
-      </p:grpSpPr>
-      <p:sp>
-        <p:nvSpPr>
-          <p:cNvPr id="2" name="Title 1"/>
-          <p:cNvSpPr>
-            <a:spLocks noGrp="1"/>
-          </p:cNvSpPr>
-          <p:nvPr>
-            <p:ph type="title"/>
-          </p:nvPr>
-        </p:nvSpPr>
-        <p:spPr/>
-        <p:txBody>
-          <a:bodyPr/>
-          <a:lstStyle/>
-          <a:p>
-            <a:r>
-              <a:rPr lang="en-US" dirty="0" smtClean="0"/>
-              <a:t>Error </a:t>
-            </a:r>
-            <a:r>
-              <a:rPr lang="en-US" dirty="0" smtClean="0"/>
-              <a:t>messages</a:t>
-            </a:r>
-            <a:endParaRPr lang="en-US" dirty="0"/>
-          </a:p>
-        </p:txBody>
-      </p:sp>
-      <p:sp>
-        <p:nvSpPr>
-          <p:cNvPr id="3" name="Content Placeholder 2"/>
-          <p:cNvSpPr>
-            <a:spLocks noGrp="1"/>
-          </p:cNvSpPr>
-          <p:nvPr>
-            <p:ph idx="1"/>
-          </p:nvPr>
-        </p:nvSpPr>
-        <p:spPr/>
-        <p:txBody>
-          <a:bodyPr/>
-          <a:lstStyle/>
-          <a:p>
-            <a:r>
-              <a:rPr lang="en-IN" dirty="0" smtClean="0"/>
-              <a:t>Run the script to see if it works</a:t>
-            </a:r>
-          </a:p>
-          <a:p>
-            <a:r>
-              <a:rPr lang="en-IN" dirty="0" smtClean="0"/>
-              <a:t>Typographical errors are common</a:t>
-            </a:r>
-          </a:p>
-          <a:p>
-            <a:pPr lvl="1"/>
-            <a:r>
-              <a:rPr lang="en-IN" dirty="0" smtClean="0"/>
-              <a:t>Missing semi-colons</a:t>
-            </a:r>
-          </a:p>
-          <a:p>
-            <a:pPr lvl="1"/>
-            <a:r>
-              <a:rPr lang="en-IN" dirty="0" smtClean="0"/>
-              <a:t>Closing parenthesis or curly braces</a:t>
-            </a:r>
-          </a:p>
-          <a:p>
-            <a:r>
-              <a:rPr lang="en-IN" dirty="0" smtClean="0"/>
-              <a:t>Perl errors include line numbers</a:t>
-            </a:r>
-          </a:p>
-          <a:p>
-            <a:pPr lvl="1"/>
-            <a:r>
-              <a:rPr lang="en-IN" dirty="0" smtClean="0"/>
-              <a:t>Check before and after that line</a:t>
-            </a:r>
-          </a:p>
-          <a:p>
-            <a:r>
-              <a:rPr lang="en-IN" dirty="0" smtClean="0"/>
-              <a:t>Can learn more with practice</a:t>
-            </a:r>
-          </a:p>
-          <a:p>
-            <a:r>
-              <a:rPr lang="en-IN" dirty="0" smtClean="0"/>
-              <a:t> GIGO : logical errors needs careful testing results</a:t>
-            </a:r>
-          </a:p>
-          <a:p>
-            <a:pPr lvl="1"/>
-            <a:endParaRPr lang="en-US" dirty="0"/>
-          </a:p>
-        </p:txBody>
-      </p:sp>
-    </p:spTree>
-  </p:cSld>
-  <p:clrMapOvr>
-    <a:masterClrMapping/>
-  </p:clrMapOvr>
-</p:sld>
-</file>
-
-<file path=ppt/slides/slide21.xml><?xml version="1.0" encoding="utf-8"?>
-<p:sld xmlns:a="http://schemas.openxmlformats.org/drawingml/2006/main" xmlns:r="http://schemas.openxmlformats.org/officeDocument/2006/relationships" xmlns:p="http://schemas.openxmlformats.org/presentationml/2006/main">
-  <p:cSld>
-    <p:spTree>
-      <p:nvGrpSpPr>
-        <p:cNvPr id="1" name=""/>
-        <p:cNvGrpSpPr/>
-        <p:nvPr/>
-      </p:nvGrpSpPr>
-      <p:grpSpPr>
-        <a:xfrm>
-          <a:off x="0" y="0"/>
-          <a:ext cx="0" cy="0"/>
-          <a:chOff x="0" y="0"/>
-          <a:chExt cx="0" cy="0"/>
-        </a:xfrm>
-      </p:grpSpPr>
-      <p:sp>
-        <p:nvSpPr>
-          <p:cNvPr id="2" name="Title 1"/>
-          <p:cNvSpPr>
-            <a:spLocks noGrp="1"/>
-          </p:cNvSpPr>
-          <p:nvPr>
-            <p:ph type="title"/>
-          </p:nvPr>
-        </p:nvSpPr>
-        <p:spPr/>
-        <p:txBody>
-          <a:bodyPr/>
-          <a:lstStyle/>
-          <a:p>
-            <a:r>
               <a:rPr lang="en-IN" dirty="0" smtClean="0"/>
               <a:t>Getting help</a:t>
             </a:r>
@@ -5808,25 +6198,11 @@
               <a:rPr lang="en-GB" dirty="0" smtClean="0">
                 <a:hlinkClick r:id="rId2"/>
               </a:rPr>
-              <a:t>http://</a:t>
-            </a:r>
-            <a:r>
-              <a:rPr lang="en-GB" dirty="0" smtClean="0">
-                <a:hlinkClick r:id="rId2"/>
-              </a:rPr>
-              <a:t>stackoverflow.com</a:t>
+              <a:t>http://stackoverflow.com</a:t>
             </a:r>
             <a:r>
               <a:rPr lang="en-GB" dirty="0" smtClean="0"/>
-              <a:t>) a </a:t>
-            </a:r>
-            <a:r>
-              <a:rPr lang="en-GB" dirty="0" smtClean="0"/>
-              <a:t>generic forum for programmers</a:t>
-            </a:r>
-            <a:r>
-              <a:rPr lang="en-GB" dirty="0" smtClean="0"/>
-              <a:t>.</a:t>
+              <a:t>) a generic forum for programmers.</a:t>
             </a:r>
           </a:p>
           <a:p>
@@ -5834,13 +6210,7 @@
               <a:rPr lang="en-US" dirty="0" smtClean="0">
                 <a:hlinkClick r:id="rId3"/>
               </a:rPr>
-              <a:t>http://perlmonks.org</a:t>
-            </a:r>
-            <a:r>
-              <a:rPr lang="en-US" dirty="0" smtClean="0">
-                <a:hlinkClick r:id="rId3"/>
-              </a:rPr>
-              <a:t>/</a:t>
+              <a:t>http://perlmonks.org/</a:t>
             </a:r>
             <a:r>
               <a:rPr lang="en-US" dirty="0" smtClean="0"/>
@@ -5852,13 +6222,7 @@
               <a:rPr lang="en-US" dirty="0" smtClean="0">
                 <a:hlinkClick r:id="rId4"/>
               </a:rPr>
-              <a:t>http://</a:t>
-            </a:r>
-            <a:r>
-              <a:rPr lang="en-US" dirty="0" smtClean="0">
-                <a:hlinkClick r:id="rId4"/>
-              </a:rPr>
-              <a:t>perldoc.perl.org</a:t>
+              <a:t>http://perldoc.perl.org</a:t>
             </a:r>
             <a:r>
               <a:rPr lang="en-US" dirty="0" smtClean="0"/>
@@ -5917,7 +6281,7 @@
 </p:sld>
 </file>
 
-<file path=ppt/slides/slide22.xml><?xml version="1.0" encoding="utf-8"?>
+<file path=ppt/slides/slide24.xml><?xml version="1.0" encoding="utf-8"?>
 <p:sld xmlns:a="http://schemas.openxmlformats.org/drawingml/2006/main" xmlns:r="http://schemas.openxmlformats.org/officeDocument/2006/relationships" xmlns:p="http://schemas.openxmlformats.org/presentationml/2006/main">
   <p:cSld>
     <p:spTree>
@@ -6148,7 +6512,7 @@
 </p:sld>
 </file>
 
-<file path=ppt/slides/slide23.xml><?xml version="1.0" encoding="utf-8"?>
+<file path=ppt/slides/slide25.xml><?xml version="1.0" encoding="utf-8"?>
 <p:sld xmlns:a="http://schemas.openxmlformats.org/drawingml/2006/main" xmlns:r="http://schemas.openxmlformats.org/officeDocument/2006/relationships" xmlns:p="http://schemas.openxmlformats.org/presentationml/2006/main">
   <p:cSld>
     <p:spTree>
@@ -6296,7 +6660,7 @@
 </p:sld>
 </file>
 
-<file path=ppt/slides/slide24.xml><?xml version="1.0" encoding="utf-8"?>
+<file path=ppt/slides/slide26.xml><?xml version="1.0" encoding="utf-8"?>
 <p:sld xmlns:a="http://schemas.openxmlformats.org/drawingml/2006/main" xmlns:r="http://schemas.openxmlformats.org/officeDocument/2006/relationships" xmlns:p="http://schemas.openxmlformats.org/presentationml/2006/main">
   <p:cSld>
     <p:spTree>
@@ -6474,21 +6838,21 @@
             <a:pPr lvl="1"/>
             <a:r>
               <a:rPr lang="pt-BR" dirty="0" smtClean="0"/>
-              <a:t>Unix: mostly comes in-built </a:t>
+              <a:t>Unix OS	: mostly comes in-built </a:t>
             </a:r>
           </a:p>
           <a:p>
             <a:pPr lvl="1"/>
             <a:r>
               <a:rPr lang="pt-BR" dirty="0" smtClean="0"/>
-              <a:t>Mac: in-built</a:t>
+              <a:t>Mac OS	: in-built</a:t>
             </a:r>
           </a:p>
           <a:p>
             <a:pPr lvl="1"/>
             <a:r>
               <a:rPr lang="pt-BR" dirty="0" smtClean="0"/>
-              <a:t>Windows: ActivePerl, StrawberryPerl</a:t>
+              <a:t>Windows OS : ActivePerl, StrawberryPerl</a:t>
             </a:r>
           </a:p>
           <a:p>
@@ -6627,14 +6991,14 @@
             <a:pPr lvl="1"/>
             <a:r>
               <a:rPr lang="pt-BR" dirty="0" smtClean="0"/>
-              <a:t>Alt+ctrl+T : open terminal</a:t>
+              <a:t>Ubuntu (Alt+ctrl+T) : open terminal</a:t>
             </a:r>
           </a:p>
           <a:p>
             <a:pPr lvl="1"/>
             <a:r>
               <a:rPr lang="pt-BR" dirty="0" smtClean="0"/>
-              <a:t>Windows key+R, type cmd, press Enter.</a:t>
+              <a:t>Windows (key+R, type cmd, press Enter): DOS prompt</a:t>
             </a:r>
           </a:p>
           <a:p>
@@ -6670,7 +7034,7 @@
         </p:blipFill>
         <p:spPr bwMode="auto">
           <a:xfrm>
-            <a:off x="293297" y="2691397"/>
+            <a:off x="293297" y="2733601"/>
             <a:ext cx="3898875" cy="2335070"/>
           </a:xfrm>
           <a:prstGeom prst="rect">
@@ -6702,7 +7066,7 @@
         </p:blipFill>
         <p:spPr bwMode="auto">
           <a:xfrm>
-            <a:off x="4344865" y="2694325"/>
+            <a:off x="4344865" y="2736529"/>
             <a:ext cx="4616254" cy="2287395"/>
           </a:xfrm>
           <a:prstGeom prst="rect">
@@ -6733,6 +7097,148 @@
 </file>
 
 <file path=ppt/slides/slide5.xml><?xml version="1.0" encoding="utf-8"?>
+<p:sld xmlns:a="http://schemas.openxmlformats.org/drawingml/2006/main" xmlns:r="http://schemas.openxmlformats.org/officeDocument/2006/relationships" xmlns:p="http://schemas.openxmlformats.org/presentationml/2006/main">
+  <p:cSld>
+    <p:spTree>
+      <p:nvGrpSpPr>
+        <p:cNvPr id="1" name=""/>
+        <p:cNvGrpSpPr/>
+        <p:nvPr/>
+      </p:nvGrpSpPr>
+      <p:grpSpPr>
+        <a:xfrm>
+          <a:off x="0" y="0"/>
+          <a:ext cx="0" cy="0"/>
+          <a:chOff x="0" y="0"/>
+          <a:chExt cx="0" cy="0"/>
+        </a:xfrm>
+      </p:grpSpPr>
+      <p:sp>
+        <p:nvSpPr>
+          <p:cNvPr id="2" name="Title 1"/>
+          <p:cNvSpPr>
+            <a:spLocks noGrp="1"/>
+          </p:cNvSpPr>
+          <p:nvPr>
+            <p:ph type="title"/>
+          </p:nvPr>
+        </p:nvSpPr>
+        <p:spPr/>
+        <p:txBody>
+          <a:bodyPr/>
+          <a:lstStyle/>
+          <a:p>
+            <a:r>
+              <a:rPr lang="pt-BR" dirty="0" smtClean="0"/>
+              <a:t>Install PERL on Windows OS</a:t>
+            </a:r>
+            <a:endParaRPr lang="en-US" dirty="0"/>
+          </a:p>
+        </p:txBody>
+      </p:sp>
+      <p:sp>
+        <p:nvSpPr>
+          <p:cNvPr id="3" name="Content Placeholder 2"/>
+          <p:cNvSpPr>
+            <a:spLocks noGrp="1"/>
+          </p:cNvSpPr>
+          <p:nvPr>
+            <p:ph idx="1"/>
+          </p:nvPr>
+        </p:nvSpPr>
+        <p:spPr/>
+        <p:txBody>
+          <a:bodyPr/>
+          <a:lstStyle/>
+          <a:p>
+            <a:r>
+              <a:rPr lang="en-US" dirty="0" smtClean="0"/>
+              <a:t>https://www.activestate.com/activeperl/downloads</a:t>
+            </a:r>
+            <a:endParaRPr lang="en-US" dirty="0"/>
+          </a:p>
+        </p:txBody>
+      </p:sp>
+      <p:pic>
+        <p:nvPicPr>
+          <p:cNvPr id="3074" name="Picture 2"/>
+          <p:cNvPicPr>
+            <a:picLocks noChangeAspect="1" noChangeArrowheads="1"/>
+          </p:cNvPicPr>
+          <p:nvPr/>
+        </p:nvPicPr>
+        <p:blipFill>
+          <a:blip r:embed="rId2" cstate="print"/>
+          <a:srcRect/>
+          <a:stretch>
+            <a:fillRect/>
+          </a:stretch>
+        </p:blipFill>
+        <p:spPr bwMode="auto">
+          <a:xfrm>
+            <a:off x="7392119" y="1730325"/>
+            <a:ext cx="1590103" cy="506437"/>
+          </a:xfrm>
+          <a:prstGeom prst="rect">
+            <a:avLst/>
+          </a:prstGeom>
+          <a:noFill/>
+          <a:ln w="9525">
+            <a:noFill/>
+            <a:miter lim="800000"/>
+            <a:headEnd/>
+            <a:tailEnd/>
+          </a:ln>
+        </p:spPr>
+      </p:pic>
+      <p:pic>
+        <p:nvPicPr>
+          <p:cNvPr id="3077" name="Picture 5"/>
+          <p:cNvPicPr>
+            <a:picLocks noChangeAspect="1" noChangeArrowheads="1"/>
+          </p:cNvPicPr>
+          <p:nvPr/>
+        </p:nvPicPr>
+        <p:blipFill>
+          <a:blip r:embed="rId3" cstate="print"/>
+          <a:srcRect/>
+          <a:stretch>
+            <a:fillRect/>
+          </a:stretch>
+        </p:blipFill>
+        <p:spPr bwMode="auto">
+          <a:xfrm>
+            <a:off x="678034" y="2242918"/>
+            <a:ext cx="7562850" cy="2514600"/>
+          </a:xfrm>
+          <a:prstGeom prst="rect">
+            <a:avLst/>
+          </a:prstGeom>
+          <a:noFill/>
+          <a:ln w="9525">
+            <a:noFill/>
+            <a:miter lim="800000"/>
+            <a:headEnd/>
+            <a:tailEnd/>
+          </a:ln>
+        </p:spPr>
+      </p:pic>
+    </p:spTree>
+  </p:cSld>
+  <p:clrMapOvr>
+    <a:masterClrMapping/>
+  </p:clrMapOvr>
+  <p:timing>
+    <p:tnLst>
+      <p:par>
+        <p:cTn id="1" dur="indefinite" restart="never" nodeType="tmRoot"/>
+      </p:par>
+    </p:tnLst>
+  </p:timing>
+</p:sld>
+</file>
+
+<file path=ppt/slides/slide6.xml><?xml version="1.0" encoding="utf-8"?>
 <p:sld xmlns:a="http://schemas.openxmlformats.org/drawingml/2006/main" xmlns:r="http://schemas.openxmlformats.org/officeDocument/2006/relationships" xmlns:p="http://schemas.openxmlformats.org/presentationml/2006/main">
   <p:cSld>
     <p:spTree>
@@ -6915,148 +7421,6 @@
 </p:sld>
 </file>
 
-<file path=ppt/slides/slide6.xml><?xml version="1.0" encoding="utf-8"?>
-<p:sld xmlns:a="http://schemas.openxmlformats.org/drawingml/2006/main" xmlns:r="http://schemas.openxmlformats.org/officeDocument/2006/relationships" xmlns:p="http://schemas.openxmlformats.org/presentationml/2006/main">
-  <p:cSld>
-    <p:spTree>
-      <p:nvGrpSpPr>
-        <p:cNvPr id="1" name=""/>
-        <p:cNvGrpSpPr/>
-        <p:nvPr/>
-      </p:nvGrpSpPr>
-      <p:grpSpPr>
-        <a:xfrm>
-          <a:off x="0" y="0"/>
-          <a:ext cx="0" cy="0"/>
-          <a:chOff x="0" y="0"/>
-          <a:chExt cx="0" cy="0"/>
-        </a:xfrm>
-      </p:grpSpPr>
-      <p:sp>
-        <p:nvSpPr>
-          <p:cNvPr id="2" name="Title 1"/>
-          <p:cNvSpPr>
-            <a:spLocks noGrp="1"/>
-          </p:cNvSpPr>
-          <p:nvPr>
-            <p:ph type="title"/>
-          </p:nvPr>
-        </p:nvSpPr>
-        <p:spPr/>
-        <p:txBody>
-          <a:bodyPr/>
-          <a:lstStyle/>
-          <a:p>
-            <a:r>
-              <a:rPr lang="pt-BR" dirty="0" smtClean="0"/>
-              <a:t>Install PERL on Windows OS</a:t>
-            </a:r>
-            <a:endParaRPr lang="en-US" dirty="0"/>
-          </a:p>
-        </p:txBody>
-      </p:sp>
-      <p:sp>
-        <p:nvSpPr>
-          <p:cNvPr id="3" name="Content Placeholder 2"/>
-          <p:cNvSpPr>
-            <a:spLocks noGrp="1"/>
-          </p:cNvSpPr>
-          <p:nvPr>
-            <p:ph idx="1"/>
-          </p:nvPr>
-        </p:nvSpPr>
-        <p:spPr/>
-        <p:txBody>
-          <a:bodyPr/>
-          <a:lstStyle/>
-          <a:p>
-            <a:r>
-              <a:rPr lang="en-US" dirty="0" smtClean="0"/>
-              <a:t>https://www.activestate.com/activeperl/downloads</a:t>
-            </a:r>
-            <a:endParaRPr lang="en-US" dirty="0"/>
-          </a:p>
-        </p:txBody>
-      </p:sp>
-      <p:pic>
-        <p:nvPicPr>
-          <p:cNvPr id="3074" name="Picture 2"/>
-          <p:cNvPicPr>
-            <a:picLocks noChangeAspect="1" noChangeArrowheads="1"/>
-          </p:cNvPicPr>
-          <p:nvPr/>
-        </p:nvPicPr>
-        <p:blipFill>
-          <a:blip r:embed="rId2" cstate="print"/>
-          <a:srcRect/>
-          <a:stretch>
-            <a:fillRect/>
-          </a:stretch>
-        </p:blipFill>
-        <p:spPr bwMode="auto">
-          <a:xfrm>
-            <a:off x="7392119" y="1730325"/>
-            <a:ext cx="1590103" cy="506437"/>
-          </a:xfrm>
-          <a:prstGeom prst="rect">
-            <a:avLst/>
-          </a:prstGeom>
-          <a:noFill/>
-          <a:ln w="9525">
-            <a:noFill/>
-            <a:miter lim="800000"/>
-            <a:headEnd/>
-            <a:tailEnd/>
-          </a:ln>
-        </p:spPr>
-      </p:pic>
-      <p:pic>
-        <p:nvPicPr>
-          <p:cNvPr id="3077" name="Picture 5"/>
-          <p:cNvPicPr>
-            <a:picLocks noChangeAspect="1" noChangeArrowheads="1"/>
-          </p:cNvPicPr>
-          <p:nvPr/>
-        </p:nvPicPr>
-        <p:blipFill>
-          <a:blip r:embed="rId3" cstate="print"/>
-          <a:srcRect/>
-          <a:stretch>
-            <a:fillRect/>
-          </a:stretch>
-        </p:blipFill>
-        <p:spPr bwMode="auto">
-          <a:xfrm>
-            <a:off x="678034" y="2242918"/>
-            <a:ext cx="7562850" cy="2514600"/>
-          </a:xfrm>
-          <a:prstGeom prst="rect">
-            <a:avLst/>
-          </a:prstGeom>
-          <a:noFill/>
-          <a:ln w="9525">
-            <a:noFill/>
-            <a:miter lim="800000"/>
-            <a:headEnd/>
-            <a:tailEnd/>
-          </a:ln>
-        </p:spPr>
-      </p:pic>
-    </p:spTree>
-  </p:cSld>
-  <p:clrMapOvr>
-    <a:masterClrMapping/>
-  </p:clrMapOvr>
-  <p:timing>
-    <p:tnLst>
-      <p:par>
-        <p:cTn id="1" dur="indefinite" restart="never" nodeType="tmRoot"/>
-      </p:par>
-    </p:tnLst>
-  </p:timing>
-</p:sld>
-</file>
-
 <file path=ppt/slides/slide7.xml><?xml version="1.0" encoding="utf-8"?>
 <p:sld xmlns:a="http://schemas.openxmlformats.org/drawingml/2006/main" xmlns:r="http://schemas.openxmlformats.org/officeDocument/2006/relationships" xmlns:p="http://schemas.openxmlformats.org/presentationml/2006/main">
   <p:cSld>
@@ -7120,7 +7484,19 @@
           <a:p>
             <a:r>
               <a:rPr lang="pt-BR" dirty="0" smtClean="0"/>
-              <a:t>Save it as hello_world.pl    (  *.pl   )</a:t>
+              <a:t>Save it as hello_world.pl    (  </a:t>
+            </a:r>
+            <a:r>
+              <a:rPr lang="pt-BR" dirty="0" smtClean="0">
+                <a:solidFill>
+                  <a:srgbClr val="FF0000"/>
+                </a:solidFill>
+              </a:rPr>
+              <a:t>*.pl   </a:t>
+            </a:r>
+            <a:r>
+              <a:rPr lang="pt-BR" dirty="0" smtClean="0"/>
+              <a:t>)</a:t>
             </a:r>
           </a:p>
           <a:p>
@@ -7174,8 +7550,8 @@
         </p:blipFill>
         <p:spPr bwMode="auto">
           <a:xfrm>
-            <a:off x="2011681" y="2503757"/>
-            <a:ext cx="6576015" cy="1498502"/>
+            <a:off x="837028" y="2489690"/>
+            <a:ext cx="8150241" cy="1857227"/>
           </a:xfrm>
           <a:prstGeom prst="rect">
             <a:avLst/>
